--- a/FinalPre.pptx
+++ b/FinalPre.pptx
@@ -112,6 +112,11 @@
       </a:defRPr>
     </a:lvl9pPr>
   </p:defaultTextStyle>
+  <p:extLst>
+    <p:ext uri="{EFAFB233-063F-42B5-8137-9DF3F51BA10A}">
+      <p15:sldGuideLst xmlns:p15="http://schemas.microsoft.com/office/powerpoint/2012/main"/>
+    </p:ext>
+  </p:extLst>
 </p:presentation>
 </file>
 
@@ -32527,10 +32532,27 @@
         </p:nvSpPr>
         <p:spPr/>
         <p:txBody>
-          <a:bodyPr/>
+          <a:bodyPr>
+            <a:normAutofit/>
+          </a:bodyPr>
           <a:lstStyle/>
           <a:p>
-            <a:endParaRPr lang="en-US" dirty="0"/>
+            <a:r>
+              <a:rPr lang="en-US" sz="3600" dirty="0"/>
+              <a:t>Edit team members</a:t>
+            </a:r>
+          </a:p>
+          <a:p>
+            <a:r>
+              <a:rPr lang="en-US" sz="3600" dirty="0"/>
+              <a:t>Approval logic</a:t>
+            </a:r>
+          </a:p>
+          <a:p>
+            <a:r>
+              <a:rPr lang="en-US" sz="3600" dirty="0"/>
+              <a:t>Listen to music in the app</a:t>
+            </a:r>
           </a:p>
         </p:txBody>
       </p:sp>

--- a/FinalPre.pptx
+++ b/FinalPre.pptx
@@ -17195,6 +17195,14 @@
 <file path=ppt/slides/slide2.xml><?xml version="1.0" encoding="utf-8"?>
 <p:sld xmlns:a="http://schemas.openxmlformats.org/drawingml/2006/main" xmlns:r="http://schemas.openxmlformats.org/officeDocument/2006/relationships" xmlns:p="http://schemas.openxmlformats.org/presentationml/2006/main">
   <p:cSld>
+    <p:bg>
+      <p:bgPr>
+        <a:solidFill>
+          <a:schemeClr val="bg1"/>
+        </a:solidFill>
+        <a:effectLst/>
+      </p:bgPr>
+    </p:bg>
     <p:spTree>
       <p:nvGrpSpPr>
         <p:cNvPr id="1" name=""/>
@@ -17209,6 +17217,149 @@
           <a:chExt cx="0" cy="0"/>
         </a:xfrm>
       </p:grpSpPr>
+      <p:sp useBgFill="1">
+        <p:nvSpPr>
+          <p:cNvPr id="71" name="Rectangle 70">
+            <a:extLst>
+              <a:ext uri="{FF2B5EF4-FFF2-40B4-BE49-F238E27FC236}">
+                <a16:creationId xmlns:a16="http://schemas.microsoft.com/office/drawing/2014/main" id="{8651CFA9-6065-4243-AC48-858E359780B1}"/>
+              </a:ext>
+              <a:ext uri="{C183D7F6-B498-43B3-948B-1728B52AA6E4}">
+                <adec:decorative xmlns:adec="http://schemas.microsoft.com/office/drawing/2017/decorative" val="1"/>
+              </a:ext>
+            </a:extLst>
+          </p:cNvPr>
+          <p:cNvSpPr>
+            <a:spLocks noGrp="1" noRot="1" noChangeAspect="1" noMove="1" noResize="1" noEditPoints="1" noAdjustHandles="1" noChangeArrowheads="1" noChangeShapeType="1" noTextEdit="1"/>
+          </p:cNvSpPr>
+          <p:nvPr>
+            <p:extLst>
+              <p:ext uri="{386F3935-93C4-4BCD-93E2-E3B085C9AB24}">
+                <p16:designElem xmlns:p16="http://schemas.microsoft.com/office/powerpoint/2015/main" val="1"/>
+              </p:ext>
+            </p:extLst>
+          </p:nvPr>
+        </p:nvSpPr>
+        <p:spPr>
+          <a:xfrm>
+            <a:off x="3048" y="0"/>
+            <a:ext cx="12188952" cy="6858000"/>
+          </a:xfrm>
+          <a:prstGeom prst="rect">
+            <a:avLst/>
+          </a:prstGeom>
+          <a:ln>
+            <a:solidFill>
+              <a:schemeClr val="bg1">
+                <a:lumMod val="95000"/>
+              </a:schemeClr>
+            </a:solidFill>
+          </a:ln>
+        </p:spPr>
+        <p:style>
+          <a:lnRef idx="2">
+            <a:schemeClr val="accent1">
+              <a:shade val="50000"/>
+            </a:schemeClr>
+          </a:lnRef>
+          <a:fillRef idx="1">
+            <a:schemeClr val="accent1"/>
+          </a:fillRef>
+          <a:effectRef idx="0">
+            <a:schemeClr val="accent1"/>
+          </a:effectRef>
+          <a:fontRef idx="minor">
+            <a:schemeClr val="lt1"/>
+          </a:fontRef>
+        </p:style>
+        <p:txBody>
+          <a:bodyPr rtlCol="0" anchor="ctr"/>
+          <a:lstStyle/>
+          <a:p>
+            <a:pPr algn="ctr"/>
+            <a:endParaRPr lang="en-US" dirty="0">
+              <a:solidFill>
+                <a:schemeClr val="tx1">
+                  <a:lumMod val="65000"/>
+                  <a:lumOff val="35000"/>
+                </a:schemeClr>
+              </a:solidFill>
+              <a:latin typeface="AvenirNext LT Pro Medium" panose="020B0504020202020204" pitchFamily="34" charset="0"/>
+            </a:endParaRPr>
+          </a:p>
+        </p:txBody>
+      </p:sp>
+      <p:sp>
+        <p:nvSpPr>
+          <p:cNvPr id="73" name="Rectangle 72">
+            <a:extLst>
+              <a:ext uri="{FF2B5EF4-FFF2-40B4-BE49-F238E27FC236}">
+                <a16:creationId xmlns:a16="http://schemas.microsoft.com/office/drawing/2014/main" id="{37962AE0-6A1C-4B76-9D52-10E5E6D7D3BB}"/>
+              </a:ext>
+              <a:ext uri="{C183D7F6-B498-43B3-948B-1728B52AA6E4}">
+                <adec:decorative xmlns:adec="http://schemas.microsoft.com/office/drawing/2017/decorative" val="1"/>
+              </a:ext>
+            </a:extLst>
+          </p:cNvPr>
+          <p:cNvSpPr>
+            <a:spLocks noGrp="1" noRot="1" noChangeAspect="1" noMove="1" noResize="1" noEditPoints="1" noAdjustHandles="1" noChangeArrowheads="1" noChangeShapeType="1" noTextEdit="1"/>
+          </p:cNvSpPr>
+          <p:nvPr>
+            <p:extLst>
+              <p:ext uri="{386F3935-93C4-4BCD-93E2-E3B085C9AB24}">
+                <p16:designElem xmlns:p16="http://schemas.microsoft.com/office/powerpoint/2015/main" val="1"/>
+              </p:ext>
+            </p:extLst>
+          </p:nvPr>
+        </p:nvSpPr>
+        <p:spPr>
+          <a:xfrm>
+            <a:off x="3048" y="0"/>
+            <a:ext cx="12188952" cy="6858000"/>
+          </a:xfrm>
+          <a:prstGeom prst="rect">
+            <a:avLst/>
+          </a:prstGeom>
+          <a:solidFill>
+            <a:schemeClr val="bg2"/>
+          </a:solidFill>
+          <a:ln>
+            <a:noFill/>
+          </a:ln>
+        </p:spPr>
+        <p:style>
+          <a:lnRef idx="2">
+            <a:schemeClr val="accent1">
+              <a:shade val="50000"/>
+            </a:schemeClr>
+          </a:lnRef>
+          <a:fillRef idx="1">
+            <a:schemeClr val="accent1"/>
+          </a:fillRef>
+          <a:effectRef idx="0">
+            <a:schemeClr val="accent1"/>
+          </a:effectRef>
+          <a:fontRef idx="minor">
+            <a:schemeClr val="lt1"/>
+          </a:fontRef>
+        </p:style>
+        <p:txBody>
+          <a:bodyPr rtlCol="0" anchor="ctr"/>
+          <a:lstStyle/>
+          <a:p>
+            <a:pPr algn="ctr"/>
+            <a:endParaRPr lang="en-US" dirty="0">
+              <a:solidFill>
+                <a:schemeClr val="tx1">
+                  <a:lumMod val="65000"/>
+                  <a:lumOff val="35000"/>
+                </a:schemeClr>
+              </a:solidFill>
+              <a:latin typeface="AvenirNext LT Pro Medium" panose="020B0504020202020204" pitchFamily="34" charset="0"/>
+            </a:endParaRPr>
+          </a:p>
+        </p:txBody>
+      </p:sp>
       <p:sp>
         <p:nvSpPr>
           <p:cNvPr id="2" name="Title 1">
@@ -17225,40 +17376,22 @@
             <p:ph type="title"/>
           </p:nvPr>
         </p:nvSpPr>
-        <p:spPr/>
+        <p:spPr>
+          <a:xfrm>
+            <a:off x="6179406" y="559813"/>
+            <a:ext cx="4814412" cy="1664573"/>
+          </a:xfrm>
+        </p:spPr>
         <p:txBody>
-          <a:bodyPr/>
+          <a:bodyPr>
+            <a:normAutofit/>
+          </a:bodyPr>
           <a:lstStyle/>
           <a:p>
             <a:r>
               <a:rPr lang="en-US" dirty="0"/>
               <a:t>Introduction</a:t>
             </a:r>
-          </a:p>
-        </p:txBody>
-      </p:sp>
-      <p:sp>
-        <p:nvSpPr>
-          <p:cNvPr id="3" name="Content Placeholder 2">
-            <a:extLst>
-              <a:ext uri="{FF2B5EF4-FFF2-40B4-BE49-F238E27FC236}">
-                <a16:creationId xmlns:a16="http://schemas.microsoft.com/office/drawing/2014/main" id="{8EF2BEAA-C88E-BC4A-8A97-300C5F623B62}"/>
-              </a:ext>
-            </a:extLst>
-          </p:cNvPr>
-          <p:cNvSpPr>
-            <a:spLocks noGrp="1"/>
-          </p:cNvSpPr>
-          <p:nvPr>
-            <p:ph idx="1"/>
-          </p:nvPr>
-        </p:nvSpPr>
-        <p:spPr/>
-        <p:txBody>
-          <a:bodyPr/>
-          <a:lstStyle/>
-          <a:p>
-            <a:endParaRPr lang="en-US" dirty="0"/>
           </a:p>
         </p:txBody>
       </p:sp>
@@ -17289,8 +17422,8 @@
         </p:blipFill>
         <p:spPr bwMode="auto">
           <a:xfrm>
-            <a:off x="2534443" y="1689100"/>
-            <a:ext cx="7123113" cy="4624387"/>
+            <a:off x="758737" y="1866585"/>
+            <a:ext cx="4817466" cy="3124829"/>
           </a:xfrm>
           <a:prstGeom prst="rect">
             <a:avLst/>
@@ -17307,6 +17440,3655 @@
           </a:extLst>
         </p:spPr>
       </p:pic>
+      <p:grpSp>
+        <p:nvGrpSpPr>
+          <p:cNvPr id="75" name="Top left">
+            <a:extLst>
+              <a:ext uri="{FF2B5EF4-FFF2-40B4-BE49-F238E27FC236}">
+                <a16:creationId xmlns:a16="http://schemas.microsoft.com/office/drawing/2014/main" id="{49EBBDF7-403B-404C-AE65-6529C4797770}"/>
+              </a:ext>
+              <a:ext uri="{C183D7F6-B498-43B3-948B-1728B52AA6E4}">
+                <adec:decorative xmlns:adec="http://schemas.microsoft.com/office/drawing/2017/decorative" val="1"/>
+              </a:ext>
+            </a:extLst>
+          </p:cNvPr>
+          <p:cNvGrpSpPr>
+            <a:grpSpLocks noGrp="1" noUngrp="1" noRot="1" noChangeAspect="1" noMove="1" noResize="1"/>
+          </p:cNvGrpSpPr>
+          <p:nvPr>
+            <p:extLst>
+              <p:ext uri="{386F3935-93C4-4BCD-93E2-E3B085C9AB24}">
+                <p16:designElem xmlns:p16="http://schemas.microsoft.com/office/powerpoint/2015/main" val="1"/>
+              </p:ext>
+            </p:extLst>
+          </p:nvPr>
+        </p:nvGrpSpPr>
+        <p:grpSpPr>
+          <a:xfrm>
+            <a:off x="10849" y="-3086"/>
+            <a:ext cx="2198951" cy="3349518"/>
+            <a:chOff x="10849" y="-3086"/>
+            <a:chExt cx="2198951" cy="3349518"/>
+          </a:xfrm>
+        </p:grpSpPr>
+        <p:sp>
+          <p:nvSpPr>
+            <p:cNvPr id="76" name="Freeform: Shape 75">
+              <a:extLst>
+                <a:ext uri="{FF2B5EF4-FFF2-40B4-BE49-F238E27FC236}">
+                  <a16:creationId xmlns:a16="http://schemas.microsoft.com/office/drawing/2014/main" id="{B45E4DDE-DABB-4541-B044-FC38949EB6CE}"/>
+                </a:ext>
+                <a:ext uri="{C183D7F6-B498-43B3-948B-1728B52AA6E4}">
+                  <adec:decorative xmlns:adec="http://schemas.microsoft.com/office/drawing/2017/decorative" val="1"/>
+                </a:ext>
+              </a:extLst>
+            </p:cNvPr>
+            <p:cNvSpPr/>
+            <p:nvPr>
+              <p:extLst>
+                <p:ext uri="{386F3935-93C4-4BCD-93E2-E3B085C9AB24}">
+                  <p16:designElem xmlns:p16="http://schemas.microsoft.com/office/powerpoint/2015/main" val="1"/>
+                </p:ext>
+              </p:extLst>
+            </p:nvPr>
+          </p:nvSpPr>
+          <p:spPr>
+            <a:xfrm rot="10800000">
+              <a:off x="692844" y="-3086"/>
+              <a:ext cx="1326111" cy="597603"/>
+            </a:xfrm>
+            <a:custGeom>
+              <a:avLst/>
+              <a:gdLst>
+                <a:gd name="connsiteX0" fmla="*/ 741051 w 1482102"/>
+                <a:gd name="connsiteY0" fmla="*/ 0 h 679363"/>
+                <a:gd name="connsiteX1" fmla="*/ 1473822 w 1482102"/>
+                <a:gd name="connsiteY1" fmla="*/ 597226 h 679363"/>
+                <a:gd name="connsiteX2" fmla="*/ 1482102 w 1482102"/>
+                <a:gd name="connsiteY2" fmla="*/ 679363 h 679363"/>
+                <a:gd name="connsiteX3" fmla="*/ 0 w 1482102"/>
+                <a:gd name="connsiteY3" fmla="*/ 679363 h 679363"/>
+                <a:gd name="connsiteX4" fmla="*/ 8280 w 1482102"/>
+                <a:gd name="connsiteY4" fmla="*/ 597226 h 679363"/>
+                <a:gd name="connsiteX5" fmla="*/ 741051 w 1482102"/>
+                <a:gd name="connsiteY5" fmla="*/ 0 h 679363"/>
+              </a:gdLst>
+              <a:ahLst/>
+              <a:cxnLst>
+                <a:cxn ang="0">
+                  <a:pos x="connsiteX0" y="connsiteY0"/>
+                </a:cxn>
+                <a:cxn ang="0">
+                  <a:pos x="connsiteX1" y="connsiteY1"/>
+                </a:cxn>
+                <a:cxn ang="0">
+                  <a:pos x="connsiteX2" y="connsiteY2"/>
+                </a:cxn>
+                <a:cxn ang="0">
+                  <a:pos x="connsiteX3" y="connsiteY3"/>
+                </a:cxn>
+                <a:cxn ang="0">
+                  <a:pos x="connsiteX4" y="connsiteY4"/>
+                </a:cxn>
+                <a:cxn ang="0">
+                  <a:pos x="connsiteX5" y="connsiteY5"/>
+                </a:cxn>
+              </a:cxnLst>
+              <a:rect l="l" t="t" r="r" b="b"/>
+              <a:pathLst>
+                <a:path w="1482102" h="679363">
+                  <a:moveTo>
+                    <a:pt x="741051" y="0"/>
+                  </a:moveTo>
+                  <a:cubicBezTo>
+                    <a:pt x="1102506" y="0"/>
+                    <a:pt x="1404077" y="256390"/>
+                    <a:pt x="1473822" y="597226"/>
+                  </a:cubicBezTo>
+                  <a:lnTo>
+                    <a:pt x="1482102" y="679363"/>
+                  </a:lnTo>
+                  <a:lnTo>
+                    <a:pt x="0" y="679363"/>
+                  </a:lnTo>
+                  <a:lnTo>
+                    <a:pt x="8280" y="597226"/>
+                  </a:lnTo>
+                  <a:cubicBezTo>
+                    <a:pt x="78025" y="256390"/>
+                    <a:pt x="379596" y="0"/>
+                    <a:pt x="741051" y="0"/>
+                  </a:cubicBezTo>
+                  <a:close/>
+                </a:path>
+              </a:pathLst>
+            </a:custGeom>
+            <a:solidFill>
+              <a:schemeClr val="bg1"/>
+            </a:solidFill>
+            <a:ln>
+              <a:noFill/>
+            </a:ln>
+          </p:spPr>
+          <p:style>
+            <a:lnRef idx="2">
+              <a:schemeClr val="accent1">
+                <a:shade val="50000"/>
+              </a:schemeClr>
+            </a:lnRef>
+            <a:fillRef idx="1">
+              <a:schemeClr val="accent1"/>
+            </a:fillRef>
+            <a:effectRef idx="0">
+              <a:schemeClr val="accent1"/>
+            </a:effectRef>
+            <a:fontRef idx="minor">
+              <a:schemeClr val="lt1"/>
+            </a:fontRef>
+          </p:style>
+          <p:txBody>
+            <a:bodyPr wrap="square" rtlCol="0" anchor="ctr">
+              <a:noAutofit/>
+            </a:bodyPr>
+            <a:lstStyle/>
+            <a:p>
+              <a:pPr algn="ctr"/>
+              <a:endParaRPr lang="en-US" dirty="0">
+                <a:solidFill>
+                  <a:schemeClr val="tx1">
+                    <a:lumMod val="65000"/>
+                    <a:lumOff val="35000"/>
+                  </a:schemeClr>
+                </a:solidFill>
+                <a:latin typeface="AvenirNext LT Pro Medium" panose="020B0504020202020204" pitchFamily="34" charset="0"/>
+              </a:endParaRPr>
+            </a:p>
+          </p:txBody>
+        </p:sp>
+        <p:sp>
+          <p:nvSpPr>
+            <p:cNvPr id="77" name="Freeform: Shape 76">
+              <a:extLst>
+                <a:ext uri="{FF2B5EF4-FFF2-40B4-BE49-F238E27FC236}">
+                  <a16:creationId xmlns:a16="http://schemas.microsoft.com/office/drawing/2014/main" id="{22D357AD-5163-45F3-A5C7-FD3351A9047E}"/>
+                </a:ext>
+                <a:ext uri="{C183D7F6-B498-43B3-948B-1728B52AA6E4}">
+                  <adec:decorative xmlns:adec="http://schemas.microsoft.com/office/drawing/2017/decorative" val="1"/>
+                </a:ext>
+              </a:extLst>
+            </p:cNvPr>
+            <p:cNvSpPr/>
+            <p:nvPr>
+              <p:extLst>
+                <p:ext uri="{386F3935-93C4-4BCD-93E2-E3B085C9AB24}">
+                  <p16:designElem xmlns:p16="http://schemas.microsoft.com/office/powerpoint/2015/main" val="1"/>
+                </p:ext>
+              </p:extLst>
+            </p:nvPr>
+          </p:nvSpPr>
+          <p:spPr>
+            <a:xfrm>
+              <a:off x="19394" y="15241"/>
+              <a:ext cx="2190406" cy="3331191"/>
+            </a:xfrm>
+            <a:custGeom>
+              <a:avLst/>
+              <a:gdLst>
+                <a:gd name="connsiteX0" fmla="*/ 0 w 3296088"/>
+                <a:gd name="connsiteY0" fmla="*/ 5012722 h 5012722"/>
+                <a:gd name="connsiteX1" fmla="*/ 244031 w 3296088"/>
+                <a:gd name="connsiteY1" fmla="*/ 4820222 h 5012722"/>
+                <a:gd name="connsiteX2" fmla="*/ 729234 w 3296088"/>
+                <a:gd name="connsiteY2" fmla="*/ 4360641 h 5012722"/>
+                <a:gd name="connsiteX3" fmla="*/ 881444 w 3296088"/>
+                <a:gd name="connsiteY3" fmla="*/ 4173950 h 5012722"/>
+                <a:gd name="connsiteX4" fmla="*/ 1151287 w 3296088"/>
+                <a:gd name="connsiteY4" fmla="*/ 3972877 h 5012722"/>
+                <a:gd name="connsiteX5" fmla="*/ 1498664 w 3296088"/>
+                <a:gd name="connsiteY5" fmla="*/ 3786188 h 5012722"/>
+                <a:gd name="connsiteX6" fmla="*/ 1716881 w 3296088"/>
+                <a:gd name="connsiteY6" fmla="*/ 3674174 h 5012722"/>
+                <a:gd name="connsiteX7" fmla="*/ 1913573 w 3296088"/>
+                <a:gd name="connsiteY7" fmla="*/ 3477387 h 5012722"/>
+                <a:gd name="connsiteX8" fmla="*/ 2167700 w 3296088"/>
+                <a:gd name="connsiteY8" fmla="*/ 3042190 h 5012722"/>
+                <a:gd name="connsiteX9" fmla="*/ 2273903 w 3296088"/>
+                <a:gd name="connsiteY9" fmla="*/ 2775014 h 5012722"/>
+                <a:gd name="connsiteX10" fmla="*/ 2463356 w 3296088"/>
+                <a:gd name="connsiteY10" fmla="*/ 2335530 h 5012722"/>
+                <a:gd name="connsiteX11" fmla="*/ 2741866 w 3296088"/>
+                <a:gd name="connsiteY11" fmla="*/ 1982248 h 5012722"/>
+                <a:gd name="connsiteX12" fmla="*/ 2985897 w 3296088"/>
+                <a:gd name="connsiteY12" fmla="*/ 1634681 h 5012722"/>
+                <a:gd name="connsiteX13" fmla="*/ 3212687 w 3296088"/>
+                <a:gd name="connsiteY13" fmla="*/ 1226820 h 5012722"/>
+                <a:gd name="connsiteX14" fmla="*/ 3281553 w 3296088"/>
+                <a:gd name="connsiteY14" fmla="*/ 959644 h 5012722"/>
+                <a:gd name="connsiteX15" fmla="*/ 3295936 w 3296088"/>
+                <a:gd name="connsiteY15" fmla="*/ 701135 h 5012722"/>
+                <a:gd name="connsiteX16" fmla="*/ 3267266 w 3296088"/>
+                <a:gd name="connsiteY16" fmla="*/ 436817 h 5012722"/>
+                <a:gd name="connsiteX17" fmla="*/ 3105341 w 3296088"/>
+                <a:gd name="connsiteY17" fmla="*/ 0 h 5012722"/>
+              </a:gdLst>
+              <a:ahLst/>
+              <a:cxnLst>
+                <a:cxn ang="0">
+                  <a:pos x="connsiteX0" y="connsiteY0"/>
+                </a:cxn>
+                <a:cxn ang="0">
+                  <a:pos x="connsiteX1" y="connsiteY1"/>
+                </a:cxn>
+                <a:cxn ang="0">
+                  <a:pos x="connsiteX2" y="connsiteY2"/>
+                </a:cxn>
+                <a:cxn ang="0">
+                  <a:pos x="connsiteX3" y="connsiteY3"/>
+                </a:cxn>
+                <a:cxn ang="0">
+                  <a:pos x="connsiteX4" y="connsiteY4"/>
+                </a:cxn>
+                <a:cxn ang="0">
+                  <a:pos x="connsiteX5" y="connsiteY5"/>
+                </a:cxn>
+                <a:cxn ang="0">
+                  <a:pos x="connsiteX6" y="connsiteY6"/>
+                </a:cxn>
+                <a:cxn ang="0">
+                  <a:pos x="connsiteX7" y="connsiteY7"/>
+                </a:cxn>
+                <a:cxn ang="0">
+                  <a:pos x="connsiteX8" y="connsiteY8"/>
+                </a:cxn>
+                <a:cxn ang="0">
+                  <a:pos x="connsiteX9" y="connsiteY9"/>
+                </a:cxn>
+                <a:cxn ang="0">
+                  <a:pos x="connsiteX10" y="connsiteY10"/>
+                </a:cxn>
+                <a:cxn ang="0">
+                  <a:pos x="connsiteX11" y="connsiteY11"/>
+                </a:cxn>
+                <a:cxn ang="0">
+                  <a:pos x="connsiteX12" y="connsiteY12"/>
+                </a:cxn>
+                <a:cxn ang="0">
+                  <a:pos x="connsiteX13" y="connsiteY13"/>
+                </a:cxn>
+                <a:cxn ang="0">
+                  <a:pos x="connsiteX14" y="connsiteY14"/>
+                </a:cxn>
+                <a:cxn ang="0">
+                  <a:pos x="connsiteX15" y="connsiteY15"/>
+                </a:cxn>
+                <a:cxn ang="0">
+                  <a:pos x="connsiteX16" y="connsiteY16"/>
+                </a:cxn>
+                <a:cxn ang="0">
+                  <a:pos x="connsiteX17" y="connsiteY17"/>
+                </a:cxn>
+              </a:cxnLst>
+              <a:rect l="l" t="t" r="r" b="b"/>
+              <a:pathLst>
+                <a:path w="3296088" h="5012722">
+                  <a:moveTo>
+                    <a:pt x="0" y="5012722"/>
+                  </a:moveTo>
+                  <a:cubicBezTo>
+                    <a:pt x="81820" y="4949095"/>
+                    <a:pt x="163544" y="4885468"/>
+                    <a:pt x="244031" y="4820222"/>
+                  </a:cubicBezTo>
+                  <a:cubicBezTo>
+                    <a:pt x="417671" y="4679633"/>
+                    <a:pt x="589883" y="4535139"/>
+                    <a:pt x="729234" y="4360641"/>
+                  </a:cubicBezTo>
+                  <a:cubicBezTo>
+                    <a:pt x="779431" y="4297776"/>
+                    <a:pt x="825818" y="4231958"/>
+                    <a:pt x="881444" y="4173950"/>
+                  </a:cubicBezTo>
+                  <a:cubicBezTo>
+                    <a:pt x="959358" y="4092607"/>
+                    <a:pt x="1054799" y="4031075"/>
+                    <a:pt x="1151287" y="3972877"/>
+                  </a:cubicBezTo>
+                  <a:cubicBezTo>
+                    <a:pt x="1263968" y="3904964"/>
+                    <a:pt x="1379315" y="3841337"/>
+                    <a:pt x="1498664" y="3786188"/>
+                  </a:cubicBezTo>
+                  <a:cubicBezTo>
+                    <a:pt x="1573149" y="3751802"/>
+                    <a:pt x="1649159" y="3720179"/>
+                    <a:pt x="1716881" y="3674174"/>
+                  </a:cubicBezTo>
+                  <a:cubicBezTo>
+                    <a:pt x="1794034" y="3621691"/>
+                    <a:pt x="1856708" y="3551492"/>
+                    <a:pt x="1913573" y="3477387"/>
+                  </a:cubicBezTo>
+                  <a:cubicBezTo>
+                    <a:pt x="2016157" y="3343751"/>
+                    <a:pt x="2099024" y="3196114"/>
+                    <a:pt x="2167700" y="3042190"/>
+                  </a:cubicBezTo>
+                  <a:cubicBezTo>
+                    <a:pt x="2206752" y="2954655"/>
+                    <a:pt x="2241233" y="2865215"/>
+                    <a:pt x="2273903" y="2775014"/>
+                  </a:cubicBezTo>
+                  <a:cubicBezTo>
+                    <a:pt x="2328482" y="2624423"/>
+                    <a:pt x="2379440" y="2471642"/>
+                    <a:pt x="2463356" y="2335530"/>
+                  </a:cubicBezTo>
+                  <a:cubicBezTo>
+                    <a:pt x="2542127" y="2207705"/>
+                    <a:pt x="2647855" y="2099501"/>
+                    <a:pt x="2741866" y="1982248"/>
+                  </a:cubicBezTo>
+                  <a:cubicBezTo>
+                    <a:pt x="2830449" y="1871758"/>
+                    <a:pt x="2908554" y="1753362"/>
+                    <a:pt x="2985897" y="1634681"/>
+                  </a:cubicBezTo>
+                  <a:cubicBezTo>
+                    <a:pt x="3071146" y="1503902"/>
+                    <a:pt x="3156395" y="1372172"/>
+                    <a:pt x="3212687" y="1226820"/>
+                  </a:cubicBezTo>
+                  <a:cubicBezTo>
+                    <a:pt x="3246025" y="1140809"/>
+                    <a:pt x="3268790" y="1051084"/>
+                    <a:pt x="3281553" y="959644"/>
+                  </a:cubicBezTo>
+                  <a:cubicBezTo>
+                    <a:pt x="3293555" y="874014"/>
+                    <a:pt x="3296888" y="787527"/>
+                    <a:pt x="3295936" y="701135"/>
+                  </a:cubicBezTo>
+                  <a:cubicBezTo>
+                    <a:pt x="3294888" y="612172"/>
+                    <a:pt x="3289268" y="523018"/>
+                    <a:pt x="3267266" y="436817"/>
+                  </a:cubicBezTo>
+                  <a:cubicBezTo>
+                    <a:pt x="3227832" y="282416"/>
+                    <a:pt x="3105341" y="0"/>
+                    <a:pt x="3105341" y="0"/>
+                  </a:cubicBezTo>
+                </a:path>
+              </a:pathLst>
+            </a:custGeom>
+            <a:noFill/>
+            <a:ln w="9525" cap="rnd">
+              <a:solidFill>
+                <a:schemeClr val="accent2">
+                  <a:alpha val="50000"/>
+                </a:schemeClr>
+              </a:solidFill>
+              <a:prstDash val="lgDash"/>
+              <a:round/>
+            </a:ln>
+          </p:spPr>
+          <p:txBody>
+            <a:bodyPr rtlCol="0" anchor="ctr"/>
+            <a:lstStyle/>
+            <a:p>
+              <a:endParaRPr lang="en-US"/>
+            </a:p>
+          </p:txBody>
+        </p:sp>
+        <p:sp>
+          <p:nvSpPr>
+            <p:cNvPr id="78" name="Freeform: Shape 77">
+              <a:extLst>
+                <a:ext uri="{FF2B5EF4-FFF2-40B4-BE49-F238E27FC236}">
+                  <a16:creationId xmlns:a16="http://schemas.microsoft.com/office/drawing/2014/main" id="{8886A53D-82B1-4C65-9DED-59358265BCBE}"/>
+                </a:ext>
+                <a:ext uri="{C183D7F6-B498-43B3-948B-1728B52AA6E4}">
+                  <adec:decorative xmlns:adec="http://schemas.microsoft.com/office/drawing/2017/decorative" val="1"/>
+                </a:ext>
+              </a:extLst>
+            </p:cNvPr>
+            <p:cNvSpPr/>
+            <p:nvPr>
+              <p:extLst>
+                <p:ext uri="{386F3935-93C4-4BCD-93E2-E3B085C9AB24}">
+                  <p16:designElem xmlns:p16="http://schemas.microsoft.com/office/powerpoint/2015/main" val="1"/>
+                </p:ext>
+              </p:extLst>
+            </p:nvPr>
+          </p:nvSpPr>
+          <p:spPr>
+            <a:xfrm>
+              <a:off x="10849" y="15178"/>
+              <a:ext cx="1978674" cy="3074959"/>
+            </a:xfrm>
+            <a:custGeom>
+              <a:avLst/>
+              <a:gdLst>
+                <a:gd name="connsiteX0" fmla="*/ 0 w 2977477"/>
+                <a:gd name="connsiteY0" fmla="*/ 4627150 h 4627149"/>
+                <a:gd name="connsiteX1" fmla="*/ 275082 w 2977477"/>
+                <a:gd name="connsiteY1" fmla="*/ 4341590 h 4627149"/>
+                <a:gd name="connsiteX2" fmla="*/ 502825 w 2977477"/>
+                <a:gd name="connsiteY2" fmla="*/ 4054126 h 4627149"/>
+                <a:gd name="connsiteX3" fmla="*/ 666179 w 2977477"/>
+                <a:gd name="connsiteY3" fmla="*/ 3890677 h 4627149"/>
+                <a:gd name="connsiteX4" fmla="*/ 864203 w 2977477"/>
+                <a:gd name="connsiteY4" fmla="*/ 3675983 h 4627149"/>
+                <a:gd name="connsiteX5" fmla="*/ 982599 w 2977477"/>
+                <a:gd name="connsiteY5" fmla="*/ 3557492 h 4627149"/>
+                <a:gd name="connsiteX6" fmla="*/ 1188244 w 2977477"/>
+                <a:gd name="connsiteY6" fmla="*/ 3329654 h 4627149"/>
+                <a:gd name="connsiteX7" fmla="*/ 1344740 w 2977477"/>
+                <a:gd name="connsiteY7" fmla="*/ 3146774 h 4627149"/>
+                <a:gd name="connsiteX8" fmla="*/ 1470755 w 2977477"/>
+                <a:gd name="connsiteY8" fmla="*/ 2984659 h 4627149"/>
+                <a:gd name="connsiteX9" fmla="*/ 1657636 w 2977477"/>
+                <a:gd name="connsiteY9" fmla="*/ 2670239 h 4627149"/>
+                <a:gd name="connsiteX10" fmla="*/ 1762887 w 2977477"/>
+                <a:gd name="connsiteY10" fmla="*/ 2473547 h 4627149"/>
+                <a:gd name="connsiteX11" fmla="*/ 1866710 w 2977477"/>
+                <a:gd name="connsiteY11" fmla="*/ 2290667 h 4627149"/>
+                <a:gd name="connsiteX12" fmla="*/ 2106263 w 2977477"/>
+                <a:gd name="connsiteY12" fmla="*/ 2030254 h 4627149"/>
+                <a:gd name="connsiteX13" fmla="*/ 2277237 w 2977477"/>
+                <a:gd name="connsiteY13" fmla="*/ 1859185 h 4627149"/>
+                <a:gd name="connsiteX14" fmla="*/ 2499455 w 2977477"/>
+                <a:gd name="connsiteY14" fmla="*/ 1656207 h 4627149"/>
+                <a:gd name="connsiteX15" fmla="*/ 2707100 w 2977477"/>
+                <a:gd name="connsiteY15" fmla="*/ 1390269 h 4627149"/>
+                <a:gd name="connsiteX16" fmla="*/ 2812352 w 2977477"/>
+                <a:gd name="connsiteY16" fmla="*/ 1230916 h 4627149"/>
+                <a:gd name="connsiteX17" fmla="*/ 2898172 w 2977477"/>
+                <a:gd name="connsiteY17" fmla="*/ 1036987 h 4627149"/>
+                <a:gd name="connsiteX18" fmla="*/ 2963228 w 2977477"/>
+                <a:gd name="connsiteY18" fmla="*/ 850011 h 4627149"/>
+                <a:gd name="connsiteX19" fmla="*/ 2977325 w 2977477"/>
+                <a:gd name="connsiteY19" fmla="*/ 745427 h 4627149"/>
+                <a:gd name="connsiteX20" fmla="*/ 2929509 w 2977477"/>
+                <a:gd name="connsiteY20" fmla="*/ 480155 h 4627149"/>
+                <a:gd name="connsiteX21" fmla="*/ 2563082 w 2977477"/>
+                <a:gd name="connsiteY21" fmla="*/ 0 h 4627149"/>
+              </a:gdLst>
+              <a:ahLst/>
+              <a:cxnLst>
+                <a:cxn ang="0">
+                  <a:pos x="connsiteX0" y="connsiteY0"/>
+                </a:cxn>
+                <a:cxn ang="0">
+                  <a:pos x="connsiteX1" y="connsiteY1"/>
+                </a:cxn>
+                <a:cxn ang="0">
+                  <a:pos x="connsiteX2" y="connsiteY2"/>
+                </a:cxn>
+                <a:cxn ang="0">
+                  <a:pos x="connsiteX3" y="connsiteY3"/>
+                </a:cxn>
+                <a:cxn ang="0">
+                  <a:pos x="connsiteX4" y="connsiteY4"/>
+                </a:cxn>
+                <a:cxn ang="0">
+                  <a:pos x="connsiteX5" y="connsiteY5"/>
+                </a:cxn>
+                <a:cxn ang="0">
+                  <a:pos x="connsiteX6" y="connsiteY6"/>
+                </a:cxn>
+                <a:cxn ang="0">
+                  <a:pos x="connsiteX7" y="connsiteY7"/>
+                </a:cxn>
+                <a:cxn ang="0">
+                  <a:pos x="connsiteX8" y="connsiteY8"/>
+                </a:cxn>
+                <a:cxn ang="0">
+                  <a:pos x="connsiteX9" y="connsiteY9"/>
+                </a:cxn>
+                <a:cxn ang="0">
+                  <a:pos x="connsiteX10" y="connsiteY10"/>
+                </a:cxn>
+                <a:cxn ang="0">
+                  <a:pos x="connsiteX11" y="connsiteY11"/>
+                </a:cxn>
+                <a:cxn ang="0">
+                  <a:pos x="connsiteX12" y="connsiteY12"/>
+                </a:cxn>
+                <a:cxn ang="0">
+                  <a:pos x="connsiteX13" y="connsiteY13"/>
+                </a:cxn>
+                <a:cxn ang="0">
+                  <a:pos x="connsiteX14" y="connsiteY14"/>
+                </a:cxn>
+                <a:cxn ang="0">
+                  <a:pos x="connsiteX15" y="connsiteY15"/>
+                </a:cxn>
+                <a:cxn ang="0">
+                  <a:pos x="connsiteX16" y="connsiteY16"/>
+                </a:cxn>
+                <a:cxn ang="0">
+                  <a:pos x="connsiteX17" y="connsiteY17"/>
+                </a:cxn>
+                <a:cxn ang="0">
+                  <a:pos x="connsiteX18" y="connsiteY18"/>
+                </a:cxn>
+                <a:cxn ang="0">
+                  <a:pos x="connsiteX19" y="connsiteY19"/>
+                </a:cxn>
+                <a:cxn ang="0">
+                  <a:pos x="connsiteX20" y="connsiteY20"/>
+                </a:cxn>
+                <a:cxn ang="0">
+                  <a:pos x="connsiteX21" y="connsiteY21"/>
+                </a:cxn>
+              </a:cxnLst>
+              <a:rect l="l" t="t" r="r" b="b"/>
+              <a:pathLst>
+                <a:path w="2977477" h="4627149">
+                  <a:moveTo>
+                    <a:pt x="0" y="4627150"/>
+                  </a:moveTo>
+                  <a:cubicBezTo>
+                    <a:pt x="79820" y="4552283"/>
+                    <a:pt x="203835" y="4424648"/>
+                    <a:pt x="275082" y="4341590"/>
+                  </a:cubicBezTo>
+                  <a:cubicBezTo>
+                    <a:pt x="354711" y="4248722"/>
+                    <a:pt x="421005" y="4145090"/>
+                    <a:pt x="502825" y="4054126"/>
+                  </a:cubicBezTo>
+                  <a:cubicBezTo>
+                    <a:pt x="554355" y="3996881"/>
+                    <a:pt x="612362" y="3945827"/>
+                    <a:pt x="666179" y="3890677"/>
+                  </a:cubicBezTo>
+                  <a:cubicBezTo>
+                    <a:pt x="734187" y="3821049"/>
+                    <a:pt x="796671" y="3746183"/>
+                    <a:pt x="864203" y="3675983"/>
+                  </a:cubicBezTo>
+                  <a:cubicBezTo>
+                    <a:pt x="902875" y="3635788"/>
+                    <a:pt x="943642" y="3597593"/>
+                    <a:pt x="982599" y="3557492"/>
+                  </a:cubicBezTo>
+                  <a:cubicBezTo>
+                    <a:pt x="1053941" y="3484150"/>
+                    <a:pt x="1121378" y="3407093"/>
+                    <a:pt x="1188244" y="3329654"/>
+                  </a:cubicBezTo>
+                  <a:cubicBezTo>
+                    <a:pt x="1240631" y="3268885"/>
+                    <a:pt x="1293495" y="3208496"/>
+                    <a:pt x="1344740" y="3146774"/>
+                  </a:cubicBezTo>
+                  <a:cubicBezTo>
+                    <a:pt x="1388459" y="3094101"/>
+                    <a:pt x="1431512" y="3040761"/>
+                    <a:pt x="1470755" y="2984659"/>
+                  </a:cubicBezTo>
+                  <a:cubicBezTo>
+                    <a:pt x="1540764" y="2884646"/>
+                    <a:pt x="1598771" y="2777109"/>
+                    <a:pt x="1657636" y="2670239"/>
+                  </a:cubicBezTo>
+                  <a:cubicBezTo>
+                    <a:pt x="1693545" y="2605088"/>
+                    <a:pt x="1728502" y="2539460"/>
+                    <a:pt x="1762887" y="2473547"/>
+                  </a:cubicBezTo>
+                  <a:cubicBezTo>
+                    <a:pt x="1795367" y="2411349"/>
+                    <a:pt x="1826419" y="2348103"/>
+                    <a:pt x="1866710" y="2290667"/>
+                  </a:cubicBezTo>
+                  <a:cubicBezTo>
+                    <a:pt x="1934623" y="2193893"/>
+                    <a:pt x="2022729" y="2114169"/>
+                    <a:pt x="2106263" y="2030254"/>
+                  </a:cubicBezTo>
+                  <a:cubicBezTo>
+                    <a:pt x="2163128" y="1973104"/>
+                    <a:pt x="2218182" y="1914049"/>
+                    <a:pt x="2277237" y="1859185"/>
+                  </a:cubicBezTo>
+                  <a:cubicBezTo>
+                    <a:pt x="2350770" y="1790891"/>
+                    <a:pt x="2430304" y="1728978"/>
+                    <a:pt x="2499455" y="1656207"/>
+                  </a:cubicBezTo>
+                  <a:cubicBezTo>
+                    <a:pt x="2576989" y="1574578"/>
+                    <a:pt x="2641568" y="1481900"/>
+                    <a:pt x="2707100" y="1390269"/>
+                  </a:cubicBezTo>
+                  <a:cubicBezTo>
+                    <a:pt x="2744153" y="1338453"/>
+                    <a:pt x="2781586" y="1286732"/>
+                    <a:pt x="2812352" y="1230916"/>
+                  </a:cubicBezTo>
+                  <a:cubicBezTo>
+                    <a:pt x="2846546" y="1168908"/>
+                    <a:pt x="2872550" y="1102900"/>
+                    <a:pt x="2898172" y="1036987"/>
+                  </a:cubicBezTo>
+                  <a:cubicBezTo>
+                    <a:pt x="2922175" y="975455"/>
+                    <a:pt x="2948273" y="914305"/>
+                    <a:pt x="2963228" y="850011"/>
+                  </a:cubicBezTo>
+                  <a:cubicBezTo>
+                    <a:pt x="2971229" y="815626"/>
+                    <a:pt x="2976563" y="780764"/>
+                    <a:pt x="2977325" y="745427"/>
+                  </a:cubicBezTo>
+                  <a:cubicBezTo>
+                    <a:pt x="2979230" y="654844"/>
+                    <a:pt x="2963323" y="564261"/>
+                    <a:pt x="2929509" y="480155"/>
+                  </a:cubicBezTo>
+                  <a:cubicBezTo>
+                    <a:pt x="2851309" y="285655"/>
+                    <a:pt x="2563082" y="0"/>
+                    <a:pt x="2563082" y="0"/>
+                  </a:cubicBezTo>
+                </a:path>
+              </a:pathLst>
+            </a:custGeom>
+            <a:noFill/>
+            <a:ln w="9525" cap="rnd">
+              <a:solidFill>
+                <a:schemeClr val="accent2">
+                  <a:alpha val="50000"/>
+                </a:schemeClr>
+              </a:solidFill>
+              <a:prstDash val="lgDash"/>
+              <a:round/>
+            </a:ln>
+          </p:spPr>
+          <p:txBody>
+            <a:bodyPr rtlCol="0" anchor="ctr"/>
+            <a:lstStyle/>
+            <a:p>
+              <a:endParaRPr lang="en-US"/>
+            </a:p>
+          </p:txBody>
+        </p:sp>
+        <p:sp>
+          <p:nvSpPr>
+            <p:cNvPr id="79" name="Freeform: Shape 78">
+              <a:extLst>
+                <a:ext uri="{FF2B5EF4-FFF2-40B4-BE49-F238E27FC236}">
+                  <a16:creationId xmlns:a16="http://schemas.microsoft.com/office/drawing/2014/main" id="{B6200E88-1288-40E7-9A66-D513E6CA5FD7}"/>
+                </a:ext>
+                <a:ext uri="{C183D7F6-B498-43B3-948B-1728B52AA6E4}">
+                  <adec:decorative xmlns:adec="http://schemas.microsoft.com/office/drawing/2017/decorative" val="1"/>
+                </a:ext>
+              </a:extLst>
+            </p:cNvPr>
+            <p:cNvSpPr/>
+            <p:nvPr>
+              <p:extLst>
+                <p:ext uri="{386F3935-93C4-4BCD-93E2-E3B085C9AB24}">
+                  <p16:designElem xmlns:p16="http://schemas.microsoft.com/office/powerpoint/2015/main" val="1"/>
+                </p:ext>
+              </p:extLst>
+            </p:nvPr>
+          </p:nvSpPr>
+          <p:spPr>
+            <a:xfrm>
+              <a:off x="25092" y="15178"/>
+              <a:ext cx="1566146" cy="2737264"/>
+            </a:xfrm>
+            <a:custGeom>
+              <a:avLst/>
+              <a:gdLst>
+                <a:gd name="connsiteX0" fmla="*/ 1707071 w 2356712"/>
+                <a:gd name="connsiteY0" fmla="*/ 0 h 4118991"/>
+                <a:gd name="connsiteX1" fmla="*/ 1824514 w 2356712"/>
+                <a:gd name="connsiteY1" fmla="*/ 244697 h 4118991"/>
+                <a:gd name="connsiteX2" fmla="*/ 1908715 w 2356712"/>
+                <a:gd name="connsiteY2" fmla="*/ 328994 h 4118991"/>
+                <a:gd name="connsiteX3" fmla="*/ 2226469 w 2356712"/>
+                <a:gd name="connsiteY3" fmla="*/ 603695 h 4118991"/>
+                <a:gd name="connsiteX4" fmla="*/ 2355628 w 2356712"/>
+                <a:gd name="connsiteY4" fmla="*/ 900494 h 4118991"/>
+                <a:gd name="connsiteX5" fmla="*/ 2281428 w 2356712"/>
+                <a:gd name="connsiteY5" fmla="*/ 1206913 h 4118991"/>
+                <a:gd name="connsiteX6" fmla="*/ 2092452 w 2356712"/>
+                <a:gd name="connsiteY6" fmla="*/ 1460659 h 4118991"/>
+                <a:gd name="connsiteX7" fmla="*/ 1834039 w 2356712"/>
+                <a:gd name="connsiteY7" fmla="*/ 1625822 h 4118991"/>
+                <a:gd name="connsiteX8" fmla="*/ 1558862 w 2356712"/>
+                <a:gd name="connsiteY8" fmla="*/ 1743075 h 4118991"/>
+                <a:gd name="connsiteX9" fmla="*/ 1386554 w 2356712"/>
+                <a:gd name="connsiteY9" fmla="*/ 1869948 h 4118991"/>
+                <a:gd name="connsiteX10" fmla="*/ 1271683 w 2356712"/>
+                <a:gd name="connsiteY10" fmla="*/ 2073402 h 4118991"/>
+                <a:gd name="connsiteX11" fmla="*/ 1178338 w 2356712"/>
+                <a:gd name="connsiteY11" fmla="*/ 2355914 h 4118991"/>
+                <a:gd name="connsiteX12" fmla="*/ 1113758 w 2356712"/>
+                <a:gd name="connsiteY12" fmla="*/ 2578513 h 4118991"/>
+                <a:gd name="connsiteX13" fmla="*/ 1034796 w 2356712"/>
+                <a:gd name="connsiteY13" fmla="*/ 2834640 h 4118991"/>
+                <a:gd name="connsiteX14" fmla="*/ 905637 w 2356712"/>
+                <a:gd name="connsiteY14" fmla="*/ 3081242 h 4118991"/>
+                <a:gd name="connsiteX15" fmla="*/ 793147 w 2356712"/>
+                <a:gd name="connsiteY15" fmla="*/ 3258407 h 4118991"/>
+                <a:gd name="connsiteX16" fmla="*/ 546735 w 2356712"/>
+                <a:gd name="connsiteY16" fmla="*/ 3571970 h 4118991"/>
+                <a:gd name="connsiteX17" fmla="*/ 346996 w 2356712"/>
+                <a:gd name="connsiteY17" fmla="*/ 3771900 h 4118991"/>
+                <a:gd name="connsiteX18" fmla="*/ 174689 w 2356712"/>
+                <a:gd name="connsiteY18" fmla="*/ 3944207 h 4118991"/>
+                <a:gd name="connsiteX19" fmla="*/ 0 w 2356712"/>
+                <a:gd name="connsiteY19" fmla="*/ 4118991 h 4118991"/>
+              </a:gdLst>
+              <a:ahLst/>
+              <a:cxnLst>
+                <a:cxn ang="0">
+                  <a:pos x="connsiteX0" y="connsiteY0"/>
+                </a:cxn>
+                <a:cxn ang="0">
+                  <a:pos x="connsiteX1" y="connsiteY1"/>
+                </a:cxn>
+                <a:cxn ang="0">
+                  <a:pos x="connsiteX2" y="connsiteY2"/>
+                </a:cxn>
+                <a:cxn ang="0">
+                  <a:pos x="connsiteX3" y="connsiteY3"/>
+                </a:cxn>
+                <a:cxn ang="0">
+                  <a:pos x="connsiteX4" y="connsiteY4"/>
+                </a:cxn>
+                <a:cxn ang="0">
+                  <a:pos x="connsiteX5" y="connsiteY5"/>
+                </a:cxn>
+                <a:cxn ang="0">
+                  <a:pos x="connsiteX6" y="connsiteY6"/>
+                </a:cxn>
+                <a:cxn ang="0">
+                  <a:pos x="connsiteX7" y="connsiteY7"/>
+                </a:cxn>
+                <a:cxn ang="0">
+                  <a:pos x="connsiteX8" y="connsiteY8"/>
+                </a:cxn>
+                <a:cxn ang="0">
+                  <a:pos x="connsiteX9" y="connsiteY9"/>
+                </a:cxn>
+                <a:cxn ang="0">
+                  <a:pos x="connsiteX10" y="connsiteY10"/>
+                </a:cxn>
+                <a:cxn ang="0">
+                  <a:pos x="connsiteX11" y="connsiteY11"/>
+                </a:cxn>
+                <a:cxn ang="0">
+                  <a:pos x="connsiteX12" y="connsiteY12"/>
+                </a:cxn>
+                <a:cxn ang="0">
+                  <a:pos x="connsiteX13" y="connsiteY13"/>
+                </a:cxn>
+                <a:cxn ang="0">
+                  <a:pos x="connsiteX14" y="connsiteY14"/>
+                </a:cxn>
+                <a:cxn ang="0">
+                  <a:pos x="connsiteX15" y="connsiteY15"/>
+                </a:cxn>
+                <a:cxn ang="0">
+                  <a:pos x="connsiteX16" y="connsiteY16"/>
+                </a:cxn>
+                <a:cxn ang="0">
+                  <a:pos x="connsiteX17" y="connsiteY17"/>
+                </a:cxn>
+                <a:cxn ang="0">
+                  <a:pos x="connsiteX18" y="connsiteY18"/>
+                </a:cxn>
+                <a:cxn ang="0">
+                  <a:pos x="connsiteX19" y="connsiteY19"/>
+                </a:cxn>
+              </a:cxnLst>
+              <a:rect l="l" t="t" r="r" b="b"/>
+              <a:pathLst>
+                <a:path w="2356712" h="4118991">
+                  <a:moveTo>
+                    <a:pt x="1707071" y="0"/>
+                  </a:moveTo>
+                  <a:cubicBezTo>
+                    <a:pt x="1715357" y="22098"/>
+                    <a:pt x="1812608" y="224409"/>
+                    <a:pt x="1824514" y="244697"/>
+                  </a:cubicBezTo>
+                  <a:cubicBezTo>
+                    <a:pt x="1844802" y="279273"/>
+                    <a:pt x="1876996" y="304324"/>
+                    <a:pt x="1908715" y="328994"/>
+                  </a:cubicBezTo>
+                  <a:cubicBezTo>
+                    <a:pt x="2019967" y="415195"/>
+                    <a:pt x="2137886" y="494633"/>
+                    <a:pt x="2226469" y="603695"/>
+                  </a:cubicBezTo>
+                  <a:cubicBezTo>
+                    <a:pt x="2296287" y="689610"/>
+                    <a:pt x="2347817" y="790480"/>
+                    <a:pt x="2355628" y="900494"/>
+                  </a:cubicBezTo>
+                  <a:cubicBezTo>
+                    <a:pt x="2363248" y="1007078"/>
+                    <a:pt x="2329910" y="1111187"/>
+                    <a:pt x="2281428" y="1206913"/>
+                  </a:cubicBezTo>
+                  <a:cubicBezTo>
+                    <a:pt x="2233422" y="1301877"/>
+                    <a:pt x="2170938" y="1388936"/>
+                    <a:pt x="2092452" y="1460659"/>
+                  </a:cubicBezTo>
+                  <a:cubicBezTo>
+                    <a:pt x="2016538" y="1530001"/>
+                    <a:pt x="1927765" y="1583436"/>
+                    <a:pt x="1834039" y="1625822"/>
+                  </a:cubicBezTo>
+                  <a:cubicBezTo>
+                    <a:pt x="1743075" y="1666970"/>
+                    <a:pt x="1647730" y="1697736"/>
+                    <a:pt x="1558862" y="1743075"/>
+                  </a:cubicBezTo>
+                  <a:cubicBezTo>
+                    <a:pt x="1494758" y="1775841"/>
+                    <a:pt x="1434275" y="1816132"/>
+                    <a:pt x="1386554" y="1869948"/>
+                  </a:cubicBezTo>
+                  <a:cubicBezTo>
+                    <a:pt x="1334548" y="1928622"/>
+                    <a:pt x="1300544" y="2000345"/>
+                    <a:pt x="1271683" y="2073402"/>
+                  </a:cubicBezTo>
+                  <a:cubicBezTo>
+                    <a:pt x="1235202" y="2165699"/>
+                    <a:pt x="1206722" y="2260759"/>
+                    <a:pt x="1178338" y="2355914"/>
+                  </a:cubicBezTo>
+                  <a:cubicBezTo>
+                    <a:pt x="1156240" y="2429923"/>
+                    <a:pt x="1134237" y="2504028"/>
+                    <a:pt x="1113758" y="2578513"/>
+                  </a:cubicBezTo>
+                  <a:cubicBezTo>
+                    <a:pt x="1090041" y="2664714"/>
+                    <a:pt x="1068134" y="2751678"/>
+                    <a:pt x="1034796" y="2834640"/>
+                  </a:cubicBezTo>
+                  <a:cubicBezTo>
+                    <a:pt x="1000125" y="2920841"/>
+                    <a:pt x="953643" y="3001613"/>
+                    <a:pt x="905637" y="3081242"/>
+                  </a:cubicBezTo>
+                  <a:cubicBezTo>
+                    <a:pt x="869442" y="3141155"/>
+                    <a:pt x="832295" y="3200400"/>
+                    <a:pt x="793147" y="3258407"/>
+                  </a:cubicBezTo>
+                  <a:cubicBezTo>
+                    <a:pt x="718661" y="3368802"/>
+                    <a:pt x="637223" y="3474434"/>
+                    <a:pt x="546735" y="3571970"/>
+                  </a:cubicBezTo>
+                  <a:cubicBezTo>
+                    <a:pt x="482632" y="3641027"/>
+                    <a:pt x="414147" y="3705797"/>
+                    <a:pt x="346996" y="3771900"/>
+                  </a:cubicBezTo>
+                  <a:cubicBezTo>
+                    <a:pt x="288989" y="3828764"/>
+                    <a:pt x="232029" y="3886676"/>
+                    <a:pt x="174689" y="3944207"/>
+                  </a:cubicBezTo>
+                  <a:cubicBezTo>
+                    <a:pt x="116586" y="4002596"/>
+                    <a:pt x="58293" y="4060698"/>
+                    <a:pt x="0" y="4118991"/>
+                  </a:cubicBezTo>
+                </a:path>
+              </a:pathLst>
+            </a:custGeom>
+            <a:noFill/>
+            <a:ln w="9525" cap="rnd">
+              <a:solidFill>
+                <a:schemeClr val="accent2">
+                  <a:alpha val="50000"/>
+                </a:schemeClr>
+              </a:solidFill>
+              <a:prstDash val="lgDash"/>
+              <a:round/>
+            </a:ln>
+          </p:spPr>
+          <p:txBody>
+            <a:bodyPr rtlCol="0" anchor="ctr"/>
+            <a:lstStyle/>
+            <a:p>
+              <a:endParaRPr lang="en-US"/>
+            </a:p>
+          </p:txBody>
+        </p:sp>
+        <p:sp>
+          <p:nvSpPr>
+            <p:cNvPr id="80" name="Freeform: Shape 79">
+              <a:extLst>
+                <a:ext uri="{FF2B5EF4-FFF2-40B4-BE49-F238E27FC236}">
+                  <a16:creationId xmlns:a16="http://schemas.microsoft.com/office/drawing/2014/main" id="{CB4E4D96-95D8-43F4-90B2-25AC6F6A04F5}"/>
+                </a:ext>
+                <a:ext uri="{C183D7F6-B498-43B3-948B-1728B52AA6E4}">
+                  <adec:decorative xmlns:adec="http://schemas.microsoft.com/office/drawing/2017/decorative" val="1"/>
+                </a:ext>
+              </a:extLst>
+            </p:cNvPr>
+            <p:cNvSpPr/>
+            <p:nvPr>
+              <p:extLst>
+                <p:ext uri="{386F3935-93C4-4BCD-93E2-E3B085C9AB24}">
+                  <p16:designElem xmlns:p16="http://schemas.microsoft.com/office/powerpoint/2015/main" val="1"/>
+                </p:ext>
+              </p:extLst>
+            </p:nvPr>
+          </p:nvSpPr>
+          <p:spPr>
+            <a:xfrm>
+              <a:off x="10849" y="15178"/>
+              <a:ext cx="1368431" cy="2644975"/>
+            </a:xfrm>
+            <a:custGeom>
+              <a:avLst/>
+              <a:gdLst>
+                <a:gd name="connsiteX0" fmla="*/ 0 w 2059193"/>
+                <a:gd name="connsiteY0" fmla="*/ 3980116 h 3980116"/>
+                <a:gd name="connsiteX1" fmla="*/ 471583 w 2059193"/>
+                <a:gd name="connsiteY1" fmla="*/ 3515678 h 3980116"/>
+                <a:gd name="connsiteX2" fmla="*/ 758666 w 2059193"/>
+                <a:gd name="connsiteY2" fmla="*/ 3163824 h 3980116"/>
+                <a:gd name="connsiteX3" fmla="*/ 940499 w 2059193"/>
+                <a:gd name="connsiteY3" fmla="*/ 2780824 h 3980116"/>
+                <a:gd name="connsiteX4" fmla="*/ 1055370 w 2059193"/>
+                <a:gd name="connsiteY4" fmla="*/ 2242185 h 3980116"/>
+                <a:gd name="connsiteX5" fmla="*/ 1136714 w 2059193"/>
+                <a:gd name="connsiteY5" fmla="*/ 1878330 h 3980116"/>
+                <a:gd name="connsiteX6" fmla="*/ 1246727 w 2059193"/>
+                <a:gd name="connsiteY6" fmla="*/ 1562386 h 3980116"/>
+                <a:gd name="connsiteX7" fmla="*/ 1378363 w 2059193"/>
+                <a:gd name="connsiteY7" fmla="*/ 1430750 h 3980116"/>
+                <a:gd name="connsiteX8" fmla="*/ 1691831 w 2059193"/>
+                <a:gd name="connsiteY8" fmla="*/ 1394841 h 3980116"/>
+                <a:gd name="connsiteX9" fmla="*/ 1914335 w 2059193"/>
+                <a:gd name="connsiteY9" fmla="*/ 1323023 h 3980116"/>
+                <a:gd name="connsiteX10" fmla="*/ 2055495 w 2059193"/>
+                <a:gd name="connsiteY10" fmla="*/ 1098042 h 3980116"/>
+                <a:gd name="connsiteX11" fmla="*/ 2033969 w 2059193"/>
+                <a:gd name="connsiteY11" fmla="*/ 930497 h 3980116"/>
+                <a:gd name="connsiteX12" fmla="*/ 1885664 w 2059193"/>
+                <a:gd name="connsiteY12" fmla="*/ 760571 h 3980116"/>
+                <a:gd name="connsiteX13" fmla="*/ 1636871 w 2059193"/>
+                <a:gd name="connsiteY13" fmla="*/ 612172 h 3980116"/>
+                <a:gd name="connsiteX14" fmla="*/ 1335405 w 2059193"/>
+                <a:gd name="connsiteY14" fmla="*/ 459010 h 3980116"/>
+                <a:gd name="connsiteX15" fmla="*/ 1234916 w 2059193"/>
+                <a:gd name="connsiteY15" fmla="*/ 269939 h 3980116"/>
+                <a:gd name="connsiteX16" fmla="*/ 1386935 w 2059193"/>
+                <a:gd name="connsiteY16" fmla="*/ 0 h 3980116"/>
+              </a:gdLst>
+              <a:ahLst/>
+              <a:cxnLst>
+                <a:cxn ang="0">
+                  <a:pos x="connsiteX0" y="connsiteY0"/>
+                </a:cxn>
+                <a:cxn ang="0">
+                  <a:pos x="connsiteX1" y="connsiteY1"/>
+                </a:cxn>
+                <a:cxn ang="0">
+                  <a:pos x="connsiteX2" y="connsiteY2"/>
+                </a:cxn>
+                <a:cxn ang="0">
+                  <a:pos x="connsiteX3" y="connsiteY3"/>
+                </a:cxn>
+                <a:cxn ang="0">
+                  <a:pos x="connsiteX4" y="connsiteY4"/>
+                </a:cxn>
+                <a:cxn ang="0">
+                  <a:pos x="connsiteX5" y="connsiteY5"/>
+                </a:cxn>
+                <a:cxn ang="0">
+                  <a:pos x="connsiteX6" y="connsiteY6"/>
+                </a:cxn>
+                <a:cxn ang="0">
+                  <a:pos x="connsiteX7" y="connsiteY7"/>
+                </a:cxn>
+                <a:cxn ang="0">
+                  <a:pos x="connsiteX8" y="connsiteY8"/>
+                </a:cxn>
+                <a:cxn ang="0">
+                  <a:pos x="connsiteX9" y="connsiteY9"/>
+                </a:cxn>
+                <a:cxn ang="0">
+                  <a:pos x="connsiteX10" y="connsiteY10"/>
+                </a:cxn>
+                <a:cxn ang="0">
+                  <a:pos x="connsiteX11" y="connsiteY11"/>
+                </a:cxn>
+                <a:cxn ang="0">
+                  <a:pos x="connsiteX12" y="connsiteY12"/>
+                </a:cxn>
+                <a:cxn ang="0">
+                  <a:pos x="connsiteX13" y="connsiteY13"/>
+                </a:cxn>
+                <a:cxn ang="0">
+                  <a:pos x="connsiteX14" y="connsiteY14"/>
+                </a:cxn>
+                <a:cxn ang="0">
+                  <a:pos x="connsiteX15" y="connsiteY15"/>
+                </a:cxn>
+                <a:cxn ang="0">
+                  <a:pos x="connsiteX16" y="connsiteY16"/>
+                </a:cxn>
+              </a:cxnLst>
+              <a:rect l="l" t="t" r="r" b="b"/>
+              <a:pathLst>
+                <a:path w="2059193" h="3980116">
+                  <a:moveTo>
+                    <a:pt x="0" y="3980116"/>
+                  </a:moveTo>
+                  <a:cubicBezTo>
+                    <a:pt x="91345" y="3889534"/>
+                    <a:pt x="382715" y="3608737"/>
+                    <a:pt x="471583" y="3515678"/>
+                  </a:cubicBezTo>
+                  <a:cubicBezTo>
+                    <a:pt x="576358" y="3405949"/>
+                    <a:pt x="675989" y="3290983"/>
+                    <a:pt x="758666" y="3163824"/>
+                  </a:cubicBezTo>
+                  <a:cubicBezTo>
+                    <a:pt x="836105" y="3044857"/>
+                    <a:pt x="897445" y="2916079"/>
+                    <a:pt x="940499" y="2780824"/>
+                  </a:cubicBezTo>
+                  <a:cubicBezTo>
+                    <a:pt x="996315" y="2605754"/>
+                    <a:pt x="1020985" y="2422874"/>
+                    <a:pt x="1055370" y="2242185"/>
+                  </a:cubicBezTo>
+                  <a:cubicBezTo>
+                    <a:pt x="1078611" y="2120075"/>
+                    <a:pt x="1107472" y="1999107"/>
+                    <a:pt x="1136714" y="1878330"/>
+                  </a:cubicBezTo>
+                  <a:cubicBezTo>
+                    <a:pt x="1163098" y="1769174"/>
+                    <a:pt x="1189482" y="1658588"/>
+                    <a:pt x="1246727" y="1562386"/>
+                  </a:cubicBezTo>
+                  <a:cubicBezTo>
+                    <a:pt x="1279208" y="1507808"/>
+                    <a:pt x="1321689" y="1459039"/>
+                    <a:pt x="1378363" y="1430750"/>
+                  </a:cubicBezTo>
+                  <a:cubicBezTo>
+                    <a:pt x="1473327" y="1383221"/>
+                    <a:pt x="1584865" y="1402652"/>
+                    <a:pt x="1691831" y="1394841"/>
+                  </a:cubicBezTo>
+                  <a:cubicBezTo>
+                    <a:pt x="1771079" y="1389031"/>
+                    <a:pt x="1849279" y="1368266"/>
+                    <a:pt x="1914335" y="1323023"/>
+                  </a:cubicBezTo>
+                  <a:cubicBezTo>
+                    <a:pt x="1989963" y="1270445"/>
+                    <a:pt x="2041493" y="1189101"/>
+                    <a:pt x="2055495" y="1098042"/>
+                  </a:cubicBezTo>
+                  <a:cubicBezTo>
+                    <a:pt x="2064258" y="1041178"/>
+                    <a:pt x="2057591" y="982980"/>
+                    <a:pt x="2033969" y="930497"/>
+                  </a:cubicBezTo>
+                  <a:cubicBezTo>
+                    <a:pt x="2002727" y="861060"/>
+                    <a:pt x="1945958" y="807625"/>
+                    <a:pt x="1885664" y="760571"/>
+                  </a:cubicBezTo>
+                  <a:cubicBezTo>
+                    <a:pt x="1809179" y="700945"/>
+                    <a:pt x="1725549" y="651415"/>
+                    <a:pt x="1636871" y="612172"/>
+                  </a:cubicBezTo>
+                  <a:cubicBezTo>
+                    <a:pt x="1532763" y="566071"/>
+                    <a:pt x="1421606" y="532543"/>
+                    <a:pt x="1335405" y="459010"/>
+                  </a:cubicBezTo>
+                  <a:cubicBezTo>
+                    <a:pt x="1277969" y="409956"/>
+                    <a:pt x="1232059" y="344615"/>
+                    <a:pt x="1234916" y="269939"/>
+                  </a:cubicBezTo>
+                  <a:cubicBezTo>
+                    <a:pt x="1237012" y="211741"/>
+                    <a:pt x="1386935" y="0"/>
+                    <a:pt x="1386935" y="0"/>
+                  </a:cubicBezTo>
+                </a:path>
+              </a:pathLst>
+            </a:custGeom>
+            <a:noFill/>
+            <a:ln w="9525" cap="rnd">
+              <a:solidFill>
+                <a:schemeClr val="accent2">
+                  <a:alpha val="50000"/>
+                </a:schemeClr>
+              </a:solidFill>
+              <a:prstDash val="lgDash"/>
+              <a:round/>
+            </a:ln>
+          </p:spPr>
+          <p:txBody>
+            <a:bodyPr rtlCol="0" anchor="ctr"/>
+            <a:lstStyle/>
+            <a:p>
+              <a:endParaRPr lang="en-US"/>
+            </a:p>
+          </p:txBody>
+        </p:sp>
+        <p:sp>
+          <p:nvSpPr>
+            <p:cNvPr id="81" name="Freeform: Shape 80">
+              <a:extLst>
+                <a:ext uri="{FF2B5EF4-FFF2-40B4-BE49-F238E27FC236}">
+                  <a16:creationId xmlns:a16="http://schemas.microsoft.com/office/drawing/2014/main" id="{6951A656-8684-49D3-8C63-5513CD7BF06D}"/>
+                </a:ext>
+                <a:ext uri="{C183D7F6-B498-43B3-948B-1728B52AA6E4}">
+                  <adec:decorative xmlns:adec="http://schemas.microsoft.com/office/drawing/2017/decorative" val="1"/>
+                </a:ext>
+              </a:extLst>
+            </p:cNvPr>
+            <p:cNvSpPr/>
+            <p:nvPr>
+              <p:extLst>
+                <p:ext uri="{386F3935-93C4-4BCD-93E2-E3B085C9AB24}">
+                  <p16:designElem xmlns:p16="http://schemas.microsoft.com/office/powerpoint/2015/main" val="1"/>
+                </p:ext>
+              </p:extLst>
+            </p:nvPr>
+          </p:nvSpPr>
+          <p:spPr>
+            <a:xfrm>
+              <a:off x="18825" y="543780"/>
+              <a:ext cx="494287" cy="1905590"/>
+            </a:xfrm>
+            <a:custGeom>
+              <a:avLst/>
+              <a:gdLst>
+                <a:gd name="connsiteX0" fmla="*/ 11144 w 743796"/>
+                <a:gd name="connsiteY0" fmla="*/ 0 h 2867501"/>
+                <a:gd name="connsiteX1" fmla="*/ 353663 w 743796"/>
+                <a:gd name="connsiteY1" fmla="*/ 55245 h 2867501"/>
+                <a:gd name="connsiteX2" fmla="*/ 571405 w 743796"/>
+                <a:gd name="connsiteY2" fmla="*/ 179737 h 2867501"/>
+                <a:gd name="connsiteX3" fmla="*/ 688658 w 743796"/>
+                <a:gd name="connsiteY3" fmla="*/ 368808 h 2867501"/>
+                <a:gd name="connsiteX4" fmla="*/ 731711 w 743796"/>
+                <a:gd name="connsiteY4" fmla="*/ 612934 h 2867501"/>
+                <a:gd name="connsiteX5" fmla="*/ 725233 w 743796"/>
+                <a:gd name="connsiteY5" fmla="*/ 995648 h 2867501"/>
+                <a:gd name="connsiteX6" fmla="*/ 742855 w 743796"/>
+                <a:gd name="connsiteY6" fmla="*/ 1499330 h 2867501"/>
+                <a:gd name="connsiteX7" fmla="*/ 707898 w 743796"/>
+                <a:gd name="connsiteY7" fmla="*/ 1793081 h 2867501"/>
+                <a:gd name="connsiteX8" fmla="*/ 633222 w 743796"/>
+                <a:gd name="connsiteY8" fmla="*/ 2073592 h 2867501"/>
+                <a:gd name="connsiteX9" fmla="*/ 404527 w 743796"/>
+                <a:gd name="connsiteY9" fmla="*/ 2472404 h 2867501"/>
+                <a:gd name="connsiteX10" fmla="*/ 0 w 743796"/>
+                <a:gd name="connsiteY10" fmla="*/ 2867501 h 2867501"/>
+              </a:gdLst>
+              <a:ahLst/>
+              <a:cxnLst>
+                <a:cxn ang="0">
+                  <a:pos x="connsiteX0" y="connsiteY0"/>
+                </a:cxn>
+                <a:cxn ang="0">
+                  <a:pos x="connsiteX1" y="connsiteY1"/>
+                </a:cxn>
+                <a:cxn ang="0">
+                  <a:pos x="connsiteX2" y="connsiteY2"/>
+                </a:cxn>
+                <a:cxn ang="0">
+                  <a:pos x="connsiteX3" y="connsiteY3"/>
+                </a:cxn>
+                <a:cxn ang="0">
+                  <a:pos x="connsiteX4" y="connsiteY4"/>
+                </a:cxn>
+                <a:cxn ang="0">
+                  <a:pos x="connsiteX5" y="connsiteY5"/>
+                </a:cxn>
+                <a:cxn ang="0">
+                  <a:pos x="connsiteX6" y="connsiteY6"/>
+                </a:cxn>
+                <a:cxn ang="0">
+                  <a:pos x="connsiteX7" y="connsiteY7"/>
+                </a:cxn>
+                <a:cxn ang="0">
+                  <a:pos x="connsiteX8" y="connsiteY8"/>
+                </a:cxn>
+                <a:cxn ang="0">
+                  <a:pos x="connsiteX9" y="connsiteY9"/>
+                </a:cxn>
+                <a:cxn ang="0">
+                  <a:pos x="connsiteX10" y="connsiteY10"/>
+                </a:cxn>
+              </a:cxnLst>
+              <a:rect l="l" t="t" r="r" b="b"/>
+              <a:pathLst>
+                <a:path w="743796" h="2867501">
+                  <a:moveTo>
+                    <a:pt x="11144" y="0"/>
+                  </a:moveTo>
+                  <a:cubicBezTo>
+                    <a:pt x="101060" y="2953"/>
+                    <a:pt x="268796" y="25146"/>
+                    <a:pt x="353663" y="55245"/>
+                  </a:cubicBezTo>
+                  <a:cubicBezTo>
+                    <a:pt x="433483" y="83534"/>
+                    <a:pt x="510635" y="120967"/>
+                    <a:pt x="571405" y="179737"/>
+                  </a:cubicBezTo>
+                  <a:cubicBezTo>
+                    <a:pt x="625412" y="231934"/>
+                    <a:pt x="663607" y="297942"/>
+                    <a:pt x="688658" y="368808"/>
+                  </a:cubicBezTo>
+                  <a:cubicBezTo>
+                    <a:pt x="716375" y="447103"/>
+                    <a:pt x="727996" y="529876"/>
+                    <a:pt x="731711" y="612934"/>
+                  </a:cubicBezTo>
+                  <a:cubicBezTo>
+                    <a:pt x="737426" y="740474"/>
+                    <a:pt x="724948" y="867918"/>
+                    <a:pt x="725233" y="995648"/>
+                  </a:cubicBezTo>
+                  <a:cubicBezTo>
+                    <a:pt x="725710" y="1163765"/>
+                    <a:pt x="748665" y="1331309"/>
+                    <a:pt x="742855" y="1499330"/>
+                  </a:cubicBezTo>
+                  <a:cubicBezTo>
+                    <a:pt x="739426" y="1598009"/>
+                    <a:pt x="725996" y="1696022"/>
+                    <a:pt x="707898" y="1793081"/>
+                  </a:cubicBezTo>
+                  <a:cubicBezTo>
+                    <a:pt x="690086" y="1888426"/>
+                    <a:pt x="666845" y="1982724"/>
+                    <a:pt x="633222" y="2073592"/>
+                  </a:cubicBezTo>
+                  <a:cubicBezTo>
+                    <a:pt x="579692" y="2218182"/>
+                    <a:pt x="499682" y="2351056"/>
+                    <a:pt x="404527" y="2472404"/>
+                  </a:cubicBezTo>
+                  <a:cubicBezTo>
+                    <a:pt x="266033" y="2648902"/>
+                    <a:pt x="179642" y="2732818"/>
+                    <a:pt x="0" y="2867501"/>
+                  </a:cubicBezTo>
+                </a:path>
+              </a:pathLst>
+            </a:custGeom>
+            <a:noFill/>
+            <a:ln w="9525" cap="rnd">
+              <a:solidFill>
+                <a:schemeClr val="accent2">
+                  <a:alpha val="50000"/>
+                </a:schemeClr>
+              </a:solidFill>
+              <a:prstDash val="lgDash"/>
+              <a:round/>
+            </a:ln>
+          </p:spPr>
+          <p:txBody>
+            <a:bodyPr rtlCol="0" anchor="ctr"/>
+            <a:lstStyle/>
+            <a:p>
+              <a:endParaRPr lang="en-US"/>
+            </a:p>
+          </p:txBody>
+        </p:sp>
+        <p:sp>
+          <p:nvSpPr>
+            <p:cNvPr id="82" name="Freeform: Shape 81">
+              <a:extLst>
+                <a:ext uri="{FF2B5EF4-FFF2-40B4-BE49-F238E27FC236}">
+                  <a16:creationId xmlns:a16="http://schemas.microsoft.com/office/drawing/2014/main" id="{B248A156-06F4-42AE-871D-4535FF097A3A}"/>
+                </a:ext>
+                <a:ext uri="{C183D7F6-B498-43B3-948B-1728B52AA6E4}">
+                  <adec:decorative xmlns:adec="http://schemas.microsoft.com/office/drawing/2017/decorative" val="1"/>
+                </a:ext>
+              </a:extLst>
+            </p:cNvPr>
+            <p:cNvSpPr/>
+            <p:nvPr>
+              <p:extLst>
+                <p:ext uri="{386F3935-93C4-4BCD-93E2-E3B085C9AB24}">
+                  <p16:designElem xmlns:p16="http://schemas.microsoft.com/office/powerpoint/2015/main" val="1"/>
+                </p:ext>
+              </p:extLst>
+            </p:nvPr>
+          </p:nvSpPr>
+          <p:spPr>
+            <a:xfrm>
+              <a:off x="10849" y="672286"/>
+              <a:ext cx="396930" cy="1690303"/>
+            </a:xfrm>
+            <a:custGeom>
+              <a:avLst/>
+              <a:gdLst>
+                <a:gd name="connsiteX0" fmla="*/ 16478 w 597294"/>
+                <a:gd name="connsiteY0" fmla="*/ 2079 h 2543540"/>
+                <a:gd name="connsiteX1" fmla="*/ 299847 w 597294"/>
+                <a:gd name="connsiteY1" fmla="*/ 53991 h 2543540"/>
+                <a:gd name="connsiteX2" fmla="*/ 503206 w 597294"/>
+                <a:gd name="connsiteY2" fmla="*/ 291354 h 2543540"/>
+                <a:gd name="connsiteX3" fmla="*/ 525113 w 597294"/>
+                <a:gd name="connsiteY3" fmla="*/ 724265 h 2543540"/>
+                <a:gd name="connsiteX4" fmla="*/ 578930 w 597294"/>
+                <a:gd name="connsiteY4" fmla="*/ 1117267 h 2543540"/>
+                <a:gd name="connsiteX5" fmla="*/ 592931 w 597294"/>
+                <a:gd name="connsiteY5" fmla="*/ 1476359 h 2543540"/>
+                <a:gd name="connsiteX6" fmla="*/ 503206 w 597294"/>
+                <a:gd name="connsiteY6" fmla="*/ 1859359 h 2543540"/>
+                <a:gd name="connsiteX7" fmla="*/ 291846 w 597294"/>
+                <a:gd name="connsiteY7" fmla="*/ 2250361 h 2543540"/>
+                <a:gd name="connsiteX8" fmla="*/ 0 w 597294"/>
+                <a:gd name="connsiteY8" fmla="*/ 2543540 h 2543540"/>
+              </a:gdLst>
+              <a:ahLst/>
+              <a:cxnLst>
+                <a:cxn ang="0">
+                  <a:pos x="connsiteX0" y="connsiteY0"/>
+                </a:cxn>
+                <a:cxn ang="0">
+                  <a:pos x="connsiteX1" y="connsiteY1"/>
+                </a:cxn>
+                <a:cxn ang="0">
+                  <a:pos x="connsiteX2" y="connsiteY2"/>
+                </a:cxn>
+                <a:cxn ang="0">
+                  <a:pos x="connsiteX3" y="connsiteY3"/>
+                </a:cxn>
+                <a:cxn ang="0">
+                  <a:pos x="connsiteX4" y="connsiteY4"/>
+                </a:cxn>
+                <a:cxn ang="0">
+                  <a:pos x="connsiteX5" y="connsiteY5"/>
+                </a:cxn>
+                <a:cxn ang="0">
+                  <a:pos x="connsiteX6" y="connsiteY6"/>
+                </a:cxn>
+                <a:cxn ang="0">
+                  <a:pos x="connsiteX7" y="connsiteY7"/>
+                </a:cxn>
+                <a:cxn ang="0">
+                  <a:pos x="connsiteX8" y="connsiteY8"/>
+                </a:cxn>
+              </a:cxnLst>
+              <a:rect l="l" t="t" r="r" b="b"/>
+              <a:pathLst>
+                <a:path w="597294" h="2543540">
+                  <a:moveTo>
+                    <a:pt x="16478" y="2079"/>
+                  </a:moveTo>
+                  <a:cubicBezTo>
+                    <a:pt x="101441" y="-6684"/>
+                    <a:pt x="224885" y="12557"/>
+                    <a:pt x="299847" y="53991"/>
+                  </a:cubicBezTo>
+                  <a:cubicBezTo>
+                    <a:pt x="394240" y="106092"/>
+                    <a:pt x="468440" y="189341"/>
+                    <a:pt x="503206" y="291354"/>
+                  </a:cubicBezTo>
+                  <a:cubicBezTo>
+                    <a:pt x="550069" y="429085"/>
+                    <a:pt x="520827" y="577770"/>
+                    <a:pt x="525113" y="724265"/>
+                  </a:cubicBezTo>
+                  <a:cubicBezTo>
+                    <a:pt x="529019" y="856472"/>
+                    <a:pt x="561118" y="986012"/>
+                    <a:pt x="578930" y="1117267"/>
+                  </a:cubicBezTo>
+                  <a:cubicBezTo>
+                    <a:pt x="595122" y="1236234"/>
+                    <a:pt x="602742" y="1356630"/>
+                    <a:pt x="592931" y="1476359"/>
+                  </a:cubicBezTo>
+                  <a:cubicBezTo>
+                    <a:pt x="582073" y="1607709"/>
+                    <a:pt x="549783" y="1736011"/>
+                    <a:pt x="503206" y="1859359"/>
+                  </a:cubicBezTo>
+                  <a:cubicBezTo>
+                    <a:pt x="450628" y="1998710"/>
+                    <a:pt x="383857" y="2133298"/>
+                    <a:pt x="291846" y="2250361"/>
+                  </a:cubicBezTo>
+                  <a:cubicBezTo>
+                    <a:pt x="231553" y="2327132"/>
+                    <a:pt x="73819" y="2479532"/>
+                    <a:pt x="0" y="2543540"/>
+                  </a:cubicBezTo>
+                </a:path>
+              </a:pathLst>
+            </a:custGeom>
+            <a:noFill/>
+            <a:ln w="9525" cap="rnd">
+              <a:solidFill>
+                <a:schemeClr val="accent2">
+                  <a:alpha val="50000"/>
+                </a:schemeClr>
+              </a:solidFill>
+              <a:prstDash val="lgDash"/>
+              <a:round/>
+            </a:ln>
+          </p:spPr>
+          <p:txBody>
+            <a:bodyPr rtlCol="0" anchor="ctr"/>
+            <a:lstStyle/>
+            <a:p>
+              <a:endParaRPr lang="en-US"/>
+            </a:p>
+          </p:txBody>
+        </p:sp>
+        <p:sp>
+          <p:nvSpPr>
+            <p:cNvPr id="83" name="Freeform: Shape 82">
+              <a:extLst>
+                <a:ext uri="{FF2B5EF4-FFF2-40B4-BE49-F238E27FC236}">
+                  <a16:creationId xmlns:a16="http://schemas.microsoft.com/office/drawing/2014/main" id="{01FD1AA9-14F8-45A8-88C0-28DC94ED4BE6}"/>
+                </a:ext>
+                <a:ext uri="{C183D7F6-B498-43B3-948B-1728B52AA6E4}">
+                  <adec:decorative xmlns:adec="http://schemas.microsoft.com/office/drawing/2017/decorative" val="1"/>
+                </a:ext>
+              </a:extLst>
+            </p:cNvPr>
+            <p:cNvSpPr/>
+            <p:nvPr>
+              <p:extLst>
+                <p:ext uri="{386F3935-93C4-4BCD-93E2-E3B085C9AB24}">
+                  <p16:designElem xmlns:p16="http://schemas.microsoft.com/office/powerpoint/2015/main" val="1"/>
+                </p:ext>
+              </p:extLst>
+            </p:nvPr>
+          </p:nvSpPr>
+          <p:spPr>
+            <a:xfrm>
+              <a:off x="23002" y="881264"/>
+              <a:ext cx="258791" cy="1336561"/>
+            </a:xfrm>
+            <a:custGeom>
+              <a:avLst/>
+              <a:gdLst>
+                <a:gd name="connsiteX0" fmla="*/ 0 w 389425"/>
+                <a:gd name="connsiteY0" fmla="*/ 33 h 2011236"/>
+                <a:gd name="connsiteX1" fmla="*/ 171260 w 389425"/>
+                <a:gd name="connsiteY1" fmla="*/ 60326 h 2011236"/>
+                <a:gd name="connsiteX2" fmla="*/ 211455 w 389425"/>
+                <a:gd name="connsiteY2" fmla="*/ 221204 h 2011236"/>
+                <a:gd name="connsiteX3" fmla="*/ 243078 w 389425"/>
+                <a:gd name="connsiteY3" fmla="*/ 448089 h 2011236"/>
+                <a:gd name="connsiteX4" fmla="*/ 346424 w 389425"/>
+                <a:gd name="connsiteY4" fmla="*/ 789941 h 2011236"/>
+                <a:gd name="connsiteX5" fmla="*/ 372237 w 389425"/>
+                <a:gd name="connsiteY5" fmla="*/ 942151 h 2011236"/>
+                <a:gd name="connsiteX6" fmla="*/ 386620 w 389425"/>
+                <a:gd name="connsiteY6" fmla="*/ 1272478 h 2011236"/>
+                <a:gd name="connsiteX7" fmla="*/ 280416 w 389425"/>
+                <a:gd name="connsiteY7" fmla="*/ 1660241 h 2011236"/>
+                <a:gd name="connsiteX8" fmla="*/ 151257 w 389425"/>
+                <a:gd name="connsiteY8" fmla="*/ 1844073 h 2011236"/>
+                <a:gd name="connsiteX9" fmla="*/ 1905 w 389425"/>
+                <a:gd name="connsiteY9" fmla="*/ 2011237 h 2011236"/>
+              </a:gdLst>
+              <a:ahLst/>
+              <a:cxnLst>
+                <a:cxn ang="0">
+                  <a:pos x="connsiteX0" y="connsiteY0"/>
+                </a:cxn>
+                <a:cxn ang="0">
+                  <a:pos x="connsiteX1" y="connsiteY1"/>
+                </a:cxn>
+                <a:cxn ang="0">
+                  <a:pos x="connsiteX2" y="connsiteY2"/>
+                </a:cxn>
+                <a:cxn ang="0">
+                  <a:pos x="connsiteX3" y="connsiteY3"/>
+                </a:cxn>
+                <a:cxn ang="0">
+                  <a:pos x="connsiteX4" y="connsiteY4"/>
+                </a:cxn>
+                <a:cxn ang="0">
+                  <a:pos x="connsiteX5" y="connsiteY5"/>
+                </a:cxn>
+                <a:cxn ang="0">
+                  <a:pos x="connsiteX6" y="connsiteY6"/>
+                </a:cxn>
+                <a:cxn ang="0">
+                  <a:pos x="connsiteX7" y="connsiteY7"/>
+                </a:cxn>
+                <a:cxn ang="0">
+                  <a:pos x="connsiteX8" y="connsiteY8"/>
+                </a:cxn>
+                <a:cxn ang="0">
+                  <a:pos x="connsiteX9" y="connsiteY9"/>
+                </a:cxn>
+              </a:cxnLst>
+              <a:rect l="l" t="t" r="r" b="b"/>
+              <a:pathLst>
+                <a:path w="389425" h="2011236">
+                  <a:moveTo>
+                    <a:pt x="0" y="33"/>
+                  </a:moveTo>
+                  <a:cubicBezTo>
+                    <a:pt x="57912" y="-824"/>
+                    <a:pt x="136112" y="14892"/>
+                    <a:pt x="171260" y="60326"/>
+                  </a:cubicBezTo>
+                  <a:cubicBezTo>
+                    <a:pt x="205645" y="104903"/>
+                    <a:pt x="207740" y="164244"/>
+                    <a:pt x="211455" y="221204"/>
+                  </a:cubicBezTo>
+                  <a:cubicBezTo>
+                    <a:pt x="216408" y="297594"/>
+                    <a:pt x="225838" y="373604"/>
+                    <a:pt x="243078" y="448089"/>
+                  </a:cubicBezTo>
+                  <a:cubicBezTo>
+                    <a:pt x="269939" y="564199"/>
+                    <a:pt x="319183" y="673927"/>
+                    <a:pt x="346424" y="789941"/>
+                  </a:cubicBezTo>
+                  <a:cubicBezTo>
+                    <a:pt x="358235" y="840043"/>
+                    <a:pt x="365951" y="891097"/>
+                    <a:pt x="372237" y="942151"/>
+                  </a:cubicBezTo>
+                  <a:cubicBezTo>
+                    <a:pt x="385858" y="1051784"/>
+                    <a:pt x="394049" y="1162274"/>
+                    <a:pt x="386620" y="1272478"/>
+                  </a:cubicBezTo>
+                  <a:cubicBezTo>
+                    <a:pt x="377476" y="1407828"/>
+                    <a:pt x="344996" y="1541178"/>
+                    <a:pt x="280416" y="1660241"/>
+                  </a:cubicBezTo>
+                  <a:cubicBezTo>
+                    <a:pt x="244602" y="1726249"/>
+                    <a:pt x="199358" y="1786352"/>
+                    <a:pt x="151257" y="1844073"/>
+                  </a:cubicBezTo>
+                  <a:cubicBezTo>
+                    <a:pt x="79534" y="1930084"/>
+                    <a:pt x="89345" y="1941419"/>
+                    <a:pt x="1905" y="2011237"/>
+                  </a:cubicBezTo>
+                </a:path>
+              </a:pathLst>
+            </a:custGeom>
+            <a:noFill/>
+            <a:ln w="9525" cap="rnd">
+              <a:solidFill>
+                <a:schemeClr val="accent2">
+                  <a:alpha val="50000"/>
+                </a:schemeClr>
+              </a:solidFill>
+              <a:prstDash val="lgDash"/>
+              <a:round/>
+            </a:ln>
+          </p:spPr>
+          <p:txBody>
+            <a:bodyPr rtlCol="0" anchor="ctr"/>
+            <a:lstStyle/>
+            <a:p>
+              <a:endParaRPr lang="en-US" dirty="0"/>
+            </a:p>
+          </p:txBody>
+        </p:sp>
+      </p:grpSp>
+      <p:grpSp>
+        <p:nvGrpSpPr>
+          <p:cNvPr id="85" name="Bottom Right">
+            <a:extLst>
+              <a:ext uri="{FF2B5EF4-FFF2-40B4-BE49-F238E27FC236}">
+                <a16:creationId xmlns:a16="http://schemas.microsoft.com/office/drawing/2014/main" id="{1C0BEBF8-7FFB-422A-98F0-90FF9E7F3C1F}"/>
+              </a:ext>
+              <a:ext uri="{C183D7F6-B498-43B3-948B-1728B52AA6E4}">
+                <adec:decorative xmlns:adec="http://schemas.microsoft.com/office/drawing/2017/decorative" val="1"/>
+              </a:ext>
+            </a:extLst>
+          </p:cNvPr>
+          <p:cNvGrpSpPr>
+            <a:grpSpLocks noGrp="1" noUngrp="1" noRot="1" noChangeAspect="1" noMove="1" noResize="1"/>
+          </p:cNvGrpSpPr>
+          <p:nvPr>
+            <p:extLst>
+              <p:ext uri="{386F3935-93C4-4BCD-93E2-E3B085C9AB24}">
+                <p16:designElem xmlns:p16="http://schemas.microsoft.com/office/powerpoint/2015/main" val="1"/>
+              </p:ext>
+            </p:extLst>
+          </p:nvPr>
+        </p:nvGrpSpPr>
+        <p:grpSpPr>
+          <a:xfrm>
+            <a:off x="7980400" y="3276601"/>
+            <a:ext cx="4211600" cy="3581399"/>
+            <a:chOff x="7980400" y="3276601"/>
+            <a:chExt cx="4211600" cy="3581399"/>
+          </a:xfrm>
+        </p:grpSpPr>
+        <p:sp>
+          <p:nvSpPr>
+            <p:cNvPr id="86" name="Freeform: Shape 85">
+              <a:extLst>
+                <a:ext uri="{FF2B5EF4-FFF2-40B4-BE49-F238E27FC236}">
+                  <a16:creationId xmlns:a16="http://schemas.microsoft.com/office/drawing/2014/main" id="{F1B94AB3-A0D6-4DB5-9006-C7F2ABD8AF83}"/>
+                </a:ext>
+                <a:ext uri="{C183D7F6-B498-43B3-948B-1728B52AA6E4}">
+                  <adec:decorative xmlns:adec="http://schemas.microsoft.com/office/drawing/2017/decorative" val="1"/>
+                </a:ext>
+              </a:extLst>
+            </p:cNvPr>
+            <p:cNvSpPr/>
+            <p:nvPr>
+              <p:extLst>
+                <p:ext uri="{386F3935-93C4-4BCD-93E2-E3B085C9AB24}">
+                  <p16:designElem xmlns:p16="http://schemas.microsoft.com/office/powerpoint/2015/main" val="1"/>
+                </p:ext>
+              </p:extLst>
+            </p:nvPr>
+          </p:nvSpPr>
+          <p:spPr>
+            <a:xfrm>
+              <a:off x="10439256" y="6178637"/>
+              <a:ext cx="1482102" cy="679363"/>
+            </a:xfrm>
+            <a:custGeom>
+              <a:avLst/>
+              <a:gdLst>
+                <a:gd name="connsiteX0" fmla="*/ 741051 w 1482102"/>
+                <a:gd name="connsiteY0" fmla="*/ 0 h 679363"/>
+                <a:gd name="connsiteX1" fmla="*/ 1473822 w 1482102"/>
+                <a:gd name="connsiteY1" fmla="*/ 597226 h 679363"/>
+                <a:gd name="connsiteX2" fmla="*/ 1482102 w 1482102"/>
+                <a:gd name="connsiteY2" fmla="*/ 679363 h 679363"/>
+                <a:gd name="connsiteX3" fmla="*/ 0 w 1482102"/>
+                <a:gd name="connsiteY3" fmla="*/ 679363 h 679363"/>
+                <a:gd name="connsiteX4" fmla="*/ 8280 w 1482102"/>
+                <a:gd name="connsiteY4" fmla="*/ 597226 h 679363"/>
+                <a:gd name="connsiteX5" fmla="*/ 741051 w 1482102"/>
+                <a:gd name="connsiteY5" fmla="*/ 0 h 679363"/>
+              </a:gdLst>
+              <a:ahLst/>
+              <a:cxnLst>
+                <a:cxn ang="0">
+                  <a:pos x="connsiteX0" y="connsiteY0"/>
+                </a:cxn>
+                <a:cxn ang="0">
+                  <a:pos x="connsiteX1" y="connsiteY1"/>
+                </a:cxn>
+                <a:cxn ang="0">
+                  <a:pos x="connsiteX2" y="connsiteY2"/>
+                </a:cxn>
+                <a:cxn ang="0">
+                  <a:pos x="connsiteX3" y="connsiteY3"/>
+                </a:cxn>
+                <a:cxn ang="0">
+                  <a:pos x="connsiteX4" y="connsiteY4"/>
+                </a:cxn>
+                <a:cxn ang="0">
+                  <a:pos x="connsiteX5" y="connsiteY5"/>
+                </a:cxn>
+              </a:cxnLst>
+              <a:rect l="l" t="t" r="r" b="b"/>
+              <a:pathLst>
+                <a:path w="1482102" h="679363">
+                  <a:moveTo>
+                    <a:pt x="741051" y="0"/>
+                  </a:moveTo>
+                  <a:cubicBezTo>
+                    <a:pt x="1102506" y="0"/>
+                    <a:pt x="1404077" y="256390"/>
+                    <a:pt x="1473822" y="597226"/>
+                  </a:cubicBezTo>
+                  <a:lnTo>
+                    <a:pt x="1482102" y="679363"/>
+                  </a:lnTo>
+                  <a:lnTo>
+                    <a:pt x="0" y="679363"/>
+                  </a:lnTo>
+                  <a:lnTo>
+                    <a:pt x="8280" y="597226"/>
+                  </a:lnTo>
+                  <a:cubicBezTo>
+                    <a:pt x="78025" y="256390"/>
+                    <a:pt x="379596" y="0"/>
+                    <a:pt x="741051" y="0"/>
+                  </a:cubicBezTo>
+                  <a:close/>
+                </a:path>
+              </a:pathLst>
+            </a:custGeom>
+            <a:solidFill>
+              <a:schemeClr val="bg1"/>
+            </a:solidFill>
+            <a:ln>
+              <a:noFill/>
+            </a:ln>
+          </p:spPr>
+          <p:style>
+            <a:lnRef idx="2">
+              <a:schemeClr val="accent1">
+                <a:shade val="50000"/>
+              </a:schemeClr>
+            </a:lnRef>
+            <a:fillRef idx="1">
+              <a:schemeClr val="accent1"/>
+            </a:fillRef>
+            <a:effectRef idx="0">
+              <a:schemeClr val="accent1"/>
+            </a:effectRef>
+            <a:fontRef idx="minor">
+              <a:schemeClr val="lt1"/>
+            </a:fontRef>
+          </p:style>
+          <p:txBody>
+            <a:bodyPr wrap="square" rtlCol="0" anchor="ctr">
+              <a:noAutofit/>
+            </a:bodyPr>
+            <a:lstStyle/>
+            <a:p>
+              <a:pPr algn="ctr"/>
+              <a:endParaRPr lang="en-US" dirty="0">
+                <a:solidFill>
+                  <a:schemeClr val="tx1">
+                    <a:lumMod val="65000"/>
+                    <a:lumOff val="35000"/>
+                  </a:schemeClr>
+                </a:solidFill>
+                <a:latin typeface="AvenirNext LT Pro Medium" panose="020B0504020202020204" pitchFamily="34" charset="0"/>
+              </a:endParaRPr>
+            </a:p>
+          </p:txBody>
+        </p:sp>
+        <p:grpSp>
+          <p:nvGrpSpPr>
+            <p:cNvPr id="87" name="Graphic 157">
+              <a:extLst>
+                <a:ext uri="{FF2B5EF4-FFF2-40B4-BE49-F238E27FC236}">
+                  <a16:creationId xmlns:a16="http://schemas.microsoft.com/office/drawing/2014/main" id="{C59F5611-23BC-435A-A5C0-D4DD8912772A}"/>
+                </a:ext>
+                <a:ext uri="{C183D7F6-B498-43B3-948B-1728B52AA6E4}">
+                  <adec:decorative xmlns:adec="http://schemas.microsoft.com/office/drawing/2017/decorative" val="1"/>
+                </a:ext>
+              </a:extLst>
+            </p:cNvPr>
+            <p:cNvGrpSpPr/>
+            <p:nvPr>
+              <p:extLst>
+                <p:ext uri="{386F3935-93C4-4BCD-93E2-E3B085C9AB24}">
+                  <p16:designElem xmlns:p16="http://schemas.microsoft.com/office/powerpoint/2015/main" val="1"/>
+                </p:ext>
+              </p:extLst>
+            </p:nvPr>
+          </p:nvGrpSpPr>
+          <p:grpSpPr>
+            <a:xfrm>
+              <a:off x="8662740" y="3276601"/>
+              <a:ext cx="3529260" cy="3581398"/>
+              <a:chOff x="4114800" y="1423987"/>
+              <a:chExt cx="3961542" cy="4007547"/>
+            </a:xfrm>
+            <a:noFill/>
+          </p:grpSpPr>
+          <p:sp>
+            <p:nvSpPr>
+              <p:cNvPr id="89" name="Freeform: Shape 88">
+                <a:extLst>
+                  <a:ext uri="{FF2B5EF4-FFF2-40B4-BE49-F238E27FC236}">
+                    <a16:creationId xmlns:a16="http://schemas.microsoft.com/office/drawing/2014/main" id="{713287DA-BE38-4656-B32C-F10B005F0066}"/>
+                  </a:ext>
+                  <a:ext uri="{C183D7F6-B498-43B3-948B-1728B52AA6E4}">
+                    <adec:decorative xmlns:adec="http://schemas.microsoft.com/office/drawing/2017/decorative" val="1"/>
+                  </a:ext>
+                </a:extLst>
+              </p:cNvPr>
+              <p:cNvSpPr/>
+              <p:nvPr>
+                <p:extLst>
+                  <p:ext uri="{386F3935-93C4-4BCD-93E2-E3B085C9AB24}">
+                    <p16:designElem xmlns:p16="http://schemas.microsoft.com/office/powerpoint/2015/main" val="1"/>
+                  </p:ext>
+                </p:extLst>
+              </p:nvPr>
+            </p:nvSpPr>
+            <p:spPr>
+              <a:xfrm>
+                <a:off x="4114800" y="1423987"/>
+                <a:ext cx="3946874" cy="3989641"/>
+              </a:xfrm>
+              <a:custGeom>
+                <a:avLst/>
+                <a:gdLst>
+                  <a:gd name="connsiteX0" fmla="*/ 0 w 3946874"/>
+                  <a:gd name="connsiteY0" fmla="*/ 3989641 h 3989641"/>
+                  <a:gd name="connsiteX1" fmla="*/ 79439 w 3946874"/>
+                  <a:gd name="connsiteY1" fmla="*/ 3891153 h 3989641"/>
+                  <a:gd name="connsiteX2" fmla="*/ 297371 w 3946874"/>
+                  <a:gd name="connsiteY2" fmla="*/ 3626930 h 3989641"/>
+                  <a:gd name="connsiteX3" fmla="*/ 454343 w 3946874"/>
+                  <a:gd name="connsiteY3" fmla="*/ 3440335 h 3989641"/>
+                  <a:gd name="connsiteX4" fmla="*/ 622363 w 3946874"/>
+                  <a:gd name="connsiteY4" fmla="*/ 3290697 h 3989641"/>
+                  <a:gd name="connsiteX5" fmla="*/ 927068 w 3946874"/>
+                  <a:gd name="connsiteY5" fmla="*/ 3087434 h 3989641"/>
+                  <a:gd name="connsiteX6" fmla="*/ 1176338 w 3946874"/>
+                  <a:gd name="connsiteY6" fmla="*/ 2915603 h 3989641"/>
+                  <a:gd name="connsiteX7" fmla="*/ 1394270 w 3946874"/>
+                  <a:gd name="connsiteY7" fmla="*/ 2780729 h 3989641"/>
+                  <a:gd name="connsiteX8" fmla="*/ 1601057 w 3946874"/>
+                  <a:gd name="connsiteY8" fmla="*/ 2723483 h 3989641"/>
+                  <a:gd name="connsiteX9" fmla="*/ 1756220 w 3946874"/>
+                  <a:gd name="connsiteY9" fmla="*/ 2743772 h 3989641"/>
+                  <a:gd name="connsiteX10" fmla="*/ 1889189 w 3946874"/>
+                  <a:gd name="connsiteY10" fmla="*/ 2765965 h 3989641"/>
+                  <a:gd name="connsiteX11" fmla="*/ 2007394 w 3946874"/>
+                  <a:gd name="connsiteY11" fmla="*/ 2765965 h 3989641"/>
+                  <a:gd name="connsiteX12" fmla="*/ 2184654 w 3946874"/>
+                  <a:gd name="connsiteY12" fmla="*/ 2671763 h 3989641"/>
+                  <a:gd name="connsiteX13" fmla="*/ 2372773 w 3946874"/>
+                  <a:gd name="connsiteY13" fmla="*/ 2538984 h 3989641"/>
+                  <a:gd name="connsiteX14" fmla="*/ 2439543 w 3946874"/>
+                  <a:gd name="connsiteY14" fmla="*/ 2510504 h 3989641"/>
+                  <a:gd name="connsiteX15" fmla="*/ 2650617 w 3946874"/>
+                  <a:gd name="connsiteY15" fmla="*/ 2434781 h 3989641"/>
+                  <a:gd name="connsiteX16" fmla="*/ 2785110 w 3946874"/>
+                  <a:gd name="connsiteY16" fmla="*/ 2383060 h 3989641"/>
+                  <a:gd name="connsiteX17" fmla="*/ 2897315 w 3946874"/>
+                  <a:gd name="connsiteY17" fmla="*/ 2318861 h 3989641"/>
+                  <a:gd name="connsiteX18" fmla="*/ 2997994 w 3946874"/>
+                  <a:gd name="connsiteY18" fmla="*/ 2226183 h 3989641"/>
+                  <a:gd name="connsiteX19" fmla="*/ 3061240 w 3946874"/>
+                  <a:gd name="connsiteY19" fmla="*/ 2141506 h 3989641"/>
+                  <a:gd name="connsiteX20" fmla="*/ 3152108 w 3946874"/>
+                  <a:gd name="connsiteY20" fmla="*/ 2005203 h 3989641"/>
+                  <a:gd name="connsiteX21" fmla="*/ 3274124 w 3946874"/>
+                  <a:gd name="connsiteY21" fmla="*/ 1871567 h 3989641"/>
+                  <a:gd name="connsiteX22" fmla="*/ 3388138 w 3946874"/>
+                  <a:gd name="connsiteY22" fmla="*/ 1770888 h 3989641"/>
+                  <a:gd name="connsiteX23" fmla="*/ 3466529 w 3946874"/>
+                  <a:gd name="connsiteY23" fmla="*/ 1679162 h 3989641"/>
+                  <a:gd name="connsiteX24" fmla="*/ 3538633 w 3946874"/>
+                  <a:gd name="connsiteY24" fmla="*/ 1551718 h 3989641"/>
+                  <a:gd name="connsiteX25" fmla="*/ 3588544 w 3946874"/>
+                  <a:gd name="connsiteY25" fmla="*/ 1376172 h 3989641"/>
+                  <a:gd name="connsiteX26" fmla="*/ 3597402 w 3946874"/>
+                  <a:gd name="connsiteY26" fmla="*/ 1293305 h 3989641"/>
+                  <a:gd name="connsiteX27" fmla="*/ 3721227 w 3946874"/>
+                  <a:gd name="connsiteY27" fmla="*/ 880491 h 3989641"/>
+                  <a:gd name="connsiteX28" fmla="*/ 3761137 w 3946874"/>
+                  <a:gd name="connsiteY28" fmla="*/ 463677 h 3989641"/>
+                  <a:gd name="connsiteX29" fmla="*/ 3946874 w 3946874"/>
+                  <a:gd name="connsiteY29" fmla="*/ 0 h 3989641"/>
+                </a:gdLst>
+                <a:ahLst/>
+                <a:cxnLst>
+                  <a:cxn ang="0">
+                    <a:pos x="connsiteX0" y="connsiteY0"/>
+                  </a:cxn>
+                  <a:cxn ang="0">
+                    <a:pos x="connsiteX1" y="connsiteY1"/>
+                  </a:cxn>
+                  <a:cxn ang="0">
+                    <a:pos x="connsiteX2" y="connsiteY2"/>
+                  </a:cxn>
+                  <a:cxn ang="0">
+                    <a:pos x="connsiteX3" y="connsiteY3"/>
+                  </a:cxn>
+                  <a:cxn ang="0">
+                    <a:pos x="connsiteX4" y="connsiteY4"/>
+                  </a:cxn>
+                  <a:cxn ang="0">
+                    <a:pos x="connsiteX5" y="connsiteY5"/>
+                  </a:cxn>
+                  <a:cxn ang="0">
+                    <a:pos x="connsiteX6" y="connsiteY6"/>
+                  </a:cxn>
+                  <a:cxn ang="0">
+                    <a:pos x="connsiteX7" y="connsiteY7"/>
+                  </a:cxn>
+                  <a:cxn ang="0">
+                    <a:pos x="connsiteX8" y="connsiteY8"/>
+                  </a:cxn>
+                  <a:cxn ang="0">
+                    <a:pos x="connsiteX9" y="connsiteY9"/>
+                  </a:cxn>
+                  <a:cxn ang="0">
+                    <a:pos x="connsiteX10" y="connsiteY10"/>
+                  </a:cxn>
+                  <a:cxn ang="0">
+                    <a:pos x="connsiteX11" y="connsiteY11"/>
+                  </a:cxn>
+                  <a:cxn ang="0">
+                    <a:pos x="connsiteX12" y="connsiteY12"/>
+                  </a:cxn>
+                  <a:cxn ang="0">
+                    <a:pos x="connsiteX13" y="connsiteY13"/>
+                  </a:cxn>
+                  <a:cxn ang="0">
+                    <a:pos x="connsiteX14" y="connsiteY14"/>
+                  </a:cxn>
+                  <a:cxn ang="0">
+                    <a:pos x="connsiteX15" y="connsiteY15"/>
+                  </a:cxn>
+                  <a:cxn ang="0">
+                    <a:pos x="connsiteX16" y="connsiteY16"/>
+                  </a:cxn>
+                  <a:cxn ang="0">
+                    <a:pos x="connsiteX17" y="connsiteY17"/>
+                  </a:cxn>
+                  <a:cxn ang="0">
+                    <a:pos x="connsiteX18" y="connsiteY18"/>
+                  </a:cxn>
+                  <a:cxn ang="0">
+                    <a:pos x="connsiteX19" y="connsiteY19"/>
+                  </a:cxn>
+                  <a:cxn ang="0">
+                    <a:pos x="connsiteX20" y="connsiteY20"/>
+                  </a:cxn>
+                  <a:cxn ang="0">
+                    <a:pos x="connsiteX21" y="connsiteY21"/>
+                  </a:cxn>
+                  <a:cxn ang="0">
+                    <a:pos x="connsiteX22" y="connsiteY22"/>
+                  </a:cxn>
+                  <a:cxn ang="0">
+                    <a:pos x="connsiteX23" y="connsiteY23"/>
+                  </a:cxn>
+                  <a:cxn ang="0">
+                    <a:pos x="connsiteX24" y="connsiteY24"/>
+                  </a:cxn>
+                  <a:cxn ang="0">
+                    <a:pos x="connsiteX25" y="connsiteY25"/>
+                  </a:cxn>
+                  <a:cxn ang="0">
+                    <a:pos x="connsiteX26" y="connsiteY26"/>
+                  </a:cxn>
+                  <a:cxn ang="0">
+                    <a:pos x="connsiteX27" y="connsiteY27"/>
+                  </a:cxn>
+                  <a:cxn ang="0">
+                    <a:pos x="connsiteX28" y="connsiteY28"/>
+                  </a:cxn>
+                  <a:cxn ang="0">
+                    <a:pos x="connsiteX29" y="connsiteY29"/>
+                  </a:cxn>
+                </a:cxnLst>
+                <a:rect l="l" t="t" r="r" b="b"/>
+                <a:pathLst>
+                  <a:path w="3946874" h="3989641">
+                    <a:moveTo>
+                      <a:pt x="0" y="3989641"/>
+                    </a:moveTo>
+                    <a:cubicBezTo>
+                      <a:pt x="19050" y="3957257"/>
+                      <a:pt x="50959" y="3916013"/>
+                      <a:pt x="79439" y="3891153"/>
+                    </a:cubicBezTo>
+                    <a:cubicBezTo>
+                      <a:pt x="165544" y="3815906"/>
+                      <a:pt x="227933" y="3717989"/>
+                      <a:pt x="297371" y="3626930"/>
+                    </a:cubicBezTo>
+                    <a:cubicBezTo>
+                      <a:pt x="346615" y="3562255"/>
+                      <a:pt x="398050" y="3499009"/>
+                      <a:pt x="454343" y="3440335"/>
+                    </a:cubicBezTo>
+                    <a:cubicBezTo>
+                      <a:pt x="506349" y="3386042"/>
+                      <a:pt x="562642" y="3336227"/>
+                      <a:pt x="622363" y="3290697"/>
+                    </a:cubicBezTo>
+                    <a:cubicBezTo>
+                      <a:pt x="719519" y="3216688"/>
+                      <a:pt x="824960" y="3154585"/>
+                      <a:pt x="927068" y="3087434"/>
+                    </a:cubicBezTo>
+                    <a:cubicBezTo>
+                      <a:pt x="1011365" y="3031998"/>
+                      <a:pt x="1093565" y="2973324"/>
+                      <a:pt x="1176338" y="2915603"/>
+                    </a:cubicBezTo>
+                    <a:cubicBezTo>
+                      <a:pt x="1246537" y="2866644"/>
+                      <a:pt x="1317308" y="2818066"/>
+                      <a:pt x="1394270" y="2780729"/>
+                    </a:cubicBezTo>
+                    <a:cubicBezTo>
+                      <a:pt x="1459421" y="2749106"/>
+                      <a:pt x="1528763" y="2724436"/>
+                      <a:pt x="1601057" y="2723483"/>
+                    </a:cubicBezTo>
+                    <a:cubicBezTo>
+                      <a:pt x="1653350" y="2722721"/>
+                      <a:pt x="1704785" y="2733485"/>
+                      <a:pt x="1756220" y="2743772"/>
+                    </a:cubicBezTo>
+                    <a:cubicBezTo>
+                      <a:pt x="1800320" y="2752630"/>
+                      <a:pt x="1844612" y="2760250"/>
+                      <a:pt x="1889189" y="2765965"/>
+                    </a:cubicBezTo>
+                    <a:cubicBezTo>
+                      <a:pt x="1928622" y="2771013"/>
+                      <a:pt x="1968437" y="2773299"/>
+                      <a:pt x="2007394" y="2765965"/>
+                    </a:cubicBezTo>
+                    <a:cubicBezTo>
+                      <a:pt x="2073878" y="2753487"/>
+                      <a:pt x="2130647" y="2712911"/>
+                      <a:pt x="2184654" y="2671763"/>
+                    </a:cubicBezTo>
+                    <a:cubicBezTo>
+                      <a:pt x="2245900" y="2625090"/>
+                      <a:pt x="2304002" y="2573465"/>
+                      <a:pt x="2372773" y="2538984"/>
+                    </a:cubicBezTo>
+                    <a:cubicBezTo>
+                      <a:pt x="2394395" y="2528126"/>
+                      <a:pt x="2416874" y="2518982"/>
+                      <a:pt x="2439543" y="2510504"/>
+                    </a:cubicBezTo>
+                    <a:cubicBezTo>
+                      <a:pt x="2509552" y="2484215"/>
+                      <a:pt x="2580037" y="2459450"/>
+                      <a:pt x="2650617" y="2434781"/>
+                    </a:cubicBezTo>
+                    <a:cubicBezTo>
+                      <a:pt x="2695956" y="2418874"/>
+                      <a:pt x="2741295" y="2402872"/>
+                      <a:pt x="2785110" y="2383060"/>
+                    </a:cubicBezTo>
+                    <a:cubicBezTo>
+                      <a:pt x="2824448" y="2365248"/>
+                      <a:pt x="2862358" y="2344198"/>
+                      <a:pt x="2897315" y="2318861"/>
+                    </a:cubicBezTo>
+                    <a:cubicBezTo>
+                      <a:pt x="2934367" y="2292096"/>
+                      <a:pt x="2968085" y="2260854"/>
+                      <a:pt x="2997994" y="2226183"/>
+                    </a:cubicBezTo>
+                    <a:cubicBezTo>
+                      <a:pt x="3020949" y="2199513"/>
+                      <a:pt x="3041714" y="2170938"/>
+                      <a:pt x="3061240" y="2141506"/>
+                    </a:cubicBezTo>
+                    <a:cubicBezTo>
+                      <a:pt x="3091529" y="2095976"/>
+                      <a:pt x="3119533" y="2049018"/>
+                      <a:pt x="3152108" y="2005203"/>
+                    </a:cubicBezTo>
+                    <a:cubicBezTo>
+                      <a:pt x="3188113" y="1956626"/>
+                      <a:pt x="3229261" y="1912144"/>
+                      <a:pt x="3274124" y="1871567"/>
+                    </a:cubicBezTo>
+                    <a:cubicBezTo>
+                      <a:pt x="3311747" y="1837563"/>
+                      <a:pt x="3351848" y="1806321"/>
+                      <a:pt x="3388138" y="1770888"/>
+                    </a:cubicBezTo>
+                    <a:cubicBezTo>
+                      <a:pt x="3416999" y="1742694"/>
+                      <a:pt x="3443002" y="1711833"/>
+                      <a:pt x="3466529" y="1679162"/>
+                    </a:cubicBezTo>
+                    <a:cubicBezTo>
+                      <a:pt x="3495008" y="1639348"/>
+                      <a:pt x="3519392" y="1596771"/>
+                      <a:pt x="3538633" y="1551718"/>
+                    </a:cubicBezTo>
+                    <a:cubicBezTo>
+                      <a:pt x="3562731" y="1495616"/>
+                      <a:pt x="3578924" y="1436465"/>
+                      <a:pt x="3588544" y="1376172"/>
+                    </a:cubicBezTo>
+                    <a:cubicBezTo>
+                      <a:pt x="3592925" y="1348740"/>
+                      <a:pt x="3595688" y="1321022"/>
+                      <a:pt x="3597402" y="1293305"/>
+                    </a:cubicBezTo>
+                    <a:cubicBezTo>
+                      <a:pt x="3605974" y="1155859"/>
+                      <a:pt x="3717703" y="1018127"/>
+                      <a:pt x="3721227" y="880491"/>
+                    </a:cubicBezTo>
+                    <a:cubicBezTo>
+                      <a:pt x="3724751" y="740855"/>
+                      <a:pt x="3743135" y="602171"/>
+                      <a:pt x="3761137" y="463677"/>
+                    </a:cubicBezTo>
+                    <a:cubicBezTo>
+                      <a:pt x="3776186" y="347758"/>
+                      <a:pt x="3934968" y="116205"/>
+                      <a:pt x="3946874" y="0"/>
+                    </a:cubicBezTo>
+                  </a:path>
+                </a:pathLst>
+              </a:custGeom>
+              <a:noFill/>
+              <a:ln w="9525" cap="rnd">
+                <a:solidFill>
+                  <a:schemeClr val="accent2">
+                    <a:alpha val="35000"/>
+                  </a:schemeClr>
+                </a:solidFill>
+                <a:prstDash val="lgDash"/>
+                <a:round/>
+              </a:ln>
+            </p:spPr>
+            <p:txBody>
+              <a:bodyPr rtlCol="0" anchor="ctr"/>
+              <a:lstStyle/>
+              <a:p>
+                <a:endParaRPr lang="en-US"/>
+              </a:p>
+            </p:txBody>
+          </p:sp>
+          <p:sp>
+            <p:nvSpPr>
+              <p:cNvPr id="90" name="Freeform: Shape 89">
+                <a:extLst>
+                  <a:ext uri="{FF2B5EF4-FFF2-40B4-BE49-F238E27FC236}">
+                    <a16:creationId xmlns:a16="http://schemas.microsoft.com/office/drawing/2014/main" id="{FBBFD07E-A2BD-4A54-B194-B784DF26559F}"/>
+                  </a:ext>
+                  <a:ext uri="{C183D7F6-B498-43B3-948B-1728B52AA6E4}">
+                    <adec:decorative xmlns:adec="http://schemas.microsoft.com/office/drawing/2017/decorative" val="1"/>
+                  </a:ext>
+                </a:extLst>
+              </p:cNvPr>
+              <p:cNvSpPr/>
+              <p:nvPr>
+                <p:extLst>
+                  <p:ext uri="{386F3935-93C4-4BCD-93E2-E3B085C9AB24}">
+                    <p16:designElem xmlns:p16="http://schemas.microsoft.com/office/powerpoint/2015/main" val="1"/>
+                  </p:ext>
+                </p:extLst>
+              </p:nvPr>
+            </p:nvSpPr>
+            <p:spPr>
+              <a:xfrm>
+                <a:off x="4395978" y="2441733"/>
+                <a:ext cx="3665410" cy="2985611"/>
+              </a:xfrm>
+              <a:custGeom>
+                <a:avLst/>
+                <a:gdLst>
+                  <a:gd name="connsiteX0" fmla="*/ 0 w 3665410"/>
+                  <a:gd name="connsiteY0" fmla="*/ 2985611 h 2985611"/>
+                  <a:gd name="connsiteX1" fmla="*/ 166211 w 3665410"/>
+                  <a:gd name="connsiteY1" fmla="*/ 2699766 h 2985611"/>
+                  <a:gd name="connsiteX2" fmla="*/ 397002 w 3665410"/>
+                  <a:gd name="connsiteY2" fmla="*/ 2414969 h 2985611"/>
+                  <a:gd name="connsiteX3" fmla="*/ 620173 w 3665410"/>
+                  <a:gd name="connsiteY3" fmla="*/ 2237899 h 2985611"/>
+                  <a:gd name="connsiteX4" fmla="*/ 823341 w 3665410"/>
+                  <a:gd name="connsiteY4" fmla="*/ 2085499 h 2985611"/>
+                  <a:gd name="connsiteX5" fmla="*/ 1089565 w 3665410"/>
+                  <a:gd name="connsiteY5" fmla="*/ 1911477 h 2985611"/>
+                  <a:gd name="connsiteX6" fmla="*/ 1145000 w 3665410"/>
+                  <a:gd name="connsiteY6" fmla="*/ 1886807 h 2985611"/>
+                  <a:gd name="connsiteX7" fmla="*/ 1375791 w 3665410"/>
+                  <a:gd name="connsiteY7" fmla="*/ 1842135 h 2985611"/>
+                  <a:gd name="connsiteX8" fmla="*/ 1486567 w 3665410"/>
+                  <a:gd name="connsiteY8" fmla="*/ 1857566 h 2985611"/>
+                  <a:gd name="connsiteX9" fmla="*/ 1568101 w 3665410"/>
+                  <a:gd name="connsiteY9" fmla="*/ 1871377 h 2985611"/>
+                  <a:gd name="connsiteX10" fmla="*/ 1810607 w 3665410"/>
+                  <a:gd name="connsiteY10" fmla="*/ 1871377 h 2985611"/>
+                  <a:gd name="connsiteX11" fmla="*/ 1997964 w 3665410"/>
+                  <a:gd name="connsiteY11" fmla="*/ 1790605 h 2985611"/>
+                  <a:gd name="connsiteX12" fmla="*/ 2109883 w 3665410"/>
+                  <a:gd name="connsiteY12" fmla="*/ 1702784 h 2985611"/>
+                  <a:gd name="connsiteX13" fmla="*/ 2321433 w 3665410"/>
+                  <a:gd name="connsiteY13" fmla="*/ 1552384 h 2985611"/>
+                  <a:gd name="connsiteX14" fmla="*/ 2558891 w 3665410"/>
+                  <a:gd name="connsiteY14" fmla="*/ 1453420 h 2985611"/>
+                  <a:gd name="connsiteX15" fmla="*/ 2709767 w 3665410"/>
+                  <a:gd name="connsiteY15" fmla="*/ 1377887 h 2985611"/>
+                  <a:gd name="connsiteX16" fmla="*/ 2885408 w 3665410"/>
+                  <a:gd name="connsiteY16" fmla="*/ 1237393 h 2985611"/>
+                  <a:gd name="connsiteX17" fmla="*/ 3017711 w 3665410"/>
+                  <a:gd name="connsiteY17" fmla="*/ 1072229 h 2985611"/>
+                  <a:gd name="connsiteX18" fmla="*/ 3150680 w 3665410"/>
+                  <a:gd name="connsiteY18" fmla="*/ 921830 h 2985611"/>
+                  <a:gd name="connsiteX19" fmla="*/ 3255169 w 3665410"/>
+                  <a:gd name="connsiteY19" fmla="*/ 801815 h 2985611"/>
+                  <a:gd name="connsiteX20" fmla="*/ 3339275 w 3665410"/>
+                  <a:gd name="connsiteY20" fmla="*/ 694182 h 2985611"/>
+                  <a:gd name="connsiteX21" fmla="*/ 3409188 w 3665410"/>
+                  <a:gd name="connsiteY21" fmla="*/ 546926 h 2985611"/>
+                  <a:gd name="connsiteX22" fmla="*/ 3464243 w 3665410"/>
+                  <a:gd name="connsiteY22" fmla="*/ 347663 h 2985611"/>
+                  <a:gd name="connsiteX23" fmla="*/ 3665411 w 3665410"/>
+                  <a:gd name="connsiteY23" fmla="*/ 0 h 2985611"/>
+                </a:gdLst>
+                <a:ahLst/>
+                <a:cxnLst>
+                  <a:cxn ang="0">
+                    <a:pos x="connsiteX0" y="connsiteY0"/>
+                  </a:cxn>
+                  <a:cxn ang="0">
+                    <a:pos x="connsiteX1" y="connsiteY1"/>
+                  </a:cxn>
+                  <a:cxn ang="0">
+                    <a:pos x="connsiteX2" y="connsiteY2"/>
+                  </a:cxn>
+                  <a:cxn ang="0">
+                    <a:pos x="connsiteX3" y="connsiteY3"/>
+                  </a:cxn>
+                  <a:cxn ang="0">
+                    <a:pos x="connsiteX4" y="connsiteY4"/>
+                  </a:cxn>
+                  <a:cxn ang="0">
+                    <a:pos x="connsiteX5" y="connsiteY5"/>
+                  </a:cxn>
+                  <a:cxn ang="0">
+                    <a:pos x="connsiteX6" y="connsiteY6"/>
+                  </a:cxn>
+                  <a:cxn ang="0">
+                    <a:pos x="connsiteX7" y="connsiteY7"/>
+                  </a:cxn>
+                  <a:cxn ang="0">
+                    <a:pos x="connsiteX8" y="connsiteY8"/>
+                  </a:cxn>
+                  <a:cxn ang="0">
+                    <a:pos x="connsiteX9" y="connsiteY9"/>
+                  </a:cxn>
+                  <a:cxn ang="0">
+                    <a:pos x="connsiteX10" y="connsiteY10"/>
+                  </a:cxn>
+                  <a:cxn ang="0">
+                    <a:pos x="connsiteX11" y="connsiteY11"/>
+                  </a:cxn>
+                  <a:cxn ang="0">
+                    <a:pos x="connsiteX12" y="connsiteY12"/>
+                  </a:cxn>
+                  <a:cxn ang="0">
+                    <a:pos x="connsiteX13" y="connsiteY13"/>
+                  </a:cxn>
+                  <a:cxn ang="0">
+                    <a:pos x="connsiteX14" y="connsiteY14"/>
+                  </a:cxn>
+                  <a:cxn ang="0">
+                    <a:pos x="connsiteX15" y="connsiteY15"/>
+                  </a:cxn>
+                  <a:cxn ang="0">
+                    <a:pos x="connsiteX16" y="connsiteY16"/>
+                  </a:cxn>
+                  <a:cxn ang="0">
+                    <a:pos x="connsiteX17" y="connsiteY17"/>
+                  </a:cxn>
+                  <a:cxn ang="0">
+                    <a:pos x="connsiteX18" y="connsiteY18"/>
+                  </a:cxn>
+                  <a:cxn ang="0">
+                    <a:pos x="connsiteX19" y="connsiteY19"/>
+                  </a:cxn>
+                  <a:cxn ang="0">
+                    <a:pos x="connsiteX20" y="connsiteY20"/>
+                  </a:cxn>
+                  <a:cxn ang="0">
+                    <a:pos x="connsiteX21" y="connsiteY21"/>
+                  </a:cxn>
+                  <a:cxn ang="0">
+                    <a:pos x="connsiteX22" y="connsiteY22"/>
+                  </a:cxn>
+                  <a:cxn ang="0">
+                    <a:pos x="connsiteX23" y="connsiteY23"/>
+                  </a:cxn>
+                </a:cxnLst>
+                <a:rect l="l" t="t" r="r" b="b"/>
+                <a:pathLst>
+                  <a:path w="3665410" h="2985611">
+                    <a:moveTo>
+                      <a:pt x="0" y="2985611"/>
+                    </a:moveTo>
+                    <a:cubicBezTo>
+                      <a:pt x="0" y="2985611"/>
+                      <a:pt x="86773" y="2802827"/>
+                      <a:pt x="166211" y="2699766"/>
+                    </a:cubicBezTo>
+                    <a:cubicBezTo>
+                      <a:pt x="240983" y="2602706"/>
+                      <a:pt x="309182" y="2500122"/>
+                      <a:pt x="397002" y="2414969"/>
+                    </a:cubicBezTo>
+                    <a:cubicBezTo>
+                      <a:pt x="465296" y="2348865"/>
+                      <a:pt x="543592" y="2294477"/>
+                      <a:pt x="620173" y="2237899"/>
+                    </a:cubicBezTo>
+                    <a:cubicBezTo>
+                      <a:pt x="688277" y="2187607"/>
+                      <a:pt x="755333" y="2135886"/>
+                      <a:pt x="823341" y="2085499"/>
+                    </a:cubicBezTo>
+                    <a:cubicBezTo>
+                      <a:pt x="908685" y="2022253"/>
+                      <a:pt x="994791" y="1959197"/>
+                      <a:pt x="1089565" y="1911477"/>
+                    </a:cubicBezTo>
+                    <a:cubicBezTo>
+                      <a:pt x="1107662" y="1902428"/>
+                      <a:pt x="1126141" y="1894141"/>
+                      <a:pt x="1145000" y="1886807"/>
+                    </a:cubicBezTo>
+                    <a:cubicBezTo>
+                      <a:pt x="1218819" y="1858232"/>
+                      <a:pt x="1296924" y="1838611"/>
+                      <a:pt x="1375791" y="1842135"/>
+                    </a:cubicBezTo>
+                    <a:cubicBezTo>
+                      <a:pt x="1413129" y="1843754"/>
+                      <a:pt x="1449896" y="1850422"/>
+                      <a:pt x="1486567" y="1857566"/>
+                    </a:cubicBezTo>
+                    <a:cubicBezTo>
+                      <a:pt x="1513618" y="1862804"/>
+                      <a:pt x="1540859" y="1867376"/>
+                      <a:pt x="1568101" y="1871377"/>
+                    </a:cubicBezTo>
+                    <a:cubicBezTo>
+                      <a:pt x="1648778" y="1883188"/>
+                      <a:pt x="1730978" y="1887665"/>
+                      <a:pt x="1810607" y="1871377"/>
+                    </a:cubicBezTo>
+                    <a:cubicBezTo>
+                      <a:pt x="1877854" y="1857661"/>
+                      <a:pt x="1941100" y="1829086"/>
+                      <a:pt x="1997964" y="1790605"/>
+                    </a:cubicBezTo>
+                    <a:cubicBezTo>
+                      <a:pt x="2037302" y="1764030"/>
+                      <a:pt x="2073497" y="1733264"/>
+                      <a:pt x="2109883" y="1702784"/>
+                    </a:cubicBezTo>
+                    <a:cubicBezTo>
+                      <a:pt x="2176367" y="1647063"/>
+                      <a:pt x="2244852" y="1593151"/>
+                      <a:pt x="2321433" y="1552384"/>
+                    </a:cubicBezTo>
+                    <a:cubicBezTo>
+                      <a:pt x="2397157" y="1512094"/>
+                      <a:pt x="2479548" y="1486281"/>
+                      <a:pt x="2558891" y="1453420"/>
+                    </a:cubicBezTo>
+                    <a:cubicBezTo>
+                      <a:pt x="2610898" y="1431798"/>
+                      <a:pt x="2661571" y="1407033"/>
+                      <a:pt x="2709767" y="1377887"/>
+                    </a:cubicBezTo>
+                    <a:cubicBezTo>
+                      <a:pt x="2774252" y="1338929"/>
+                      <a:pt x="2834069" y="1292447"/>
+                      <a:pt x="2885408" y="1237393"/>
+                    </a:cubicBezTo>
+                    <a:cubicBezTo>
+                      <a:pt x="2933605" y="1185767"/>
+                      <a:pt x="2973324" y="1127093"/>
+                      <a:pt x="3017711" y="1072229"/>
+                    </a:cubicBezTo>
+                    <a:cubicBezTo>
+                      <a:pt x="3059811" y="1020223"/>
+                      <a:pt x="3105912" y="971645"/>
+                      <a:pt x="3150680" y="921830"/>
+                    </a:cubicBezTo>
+                    <a:cubicBezTo>
+                      <a:pt x="3186113" y="882396"/>
+                      <a:pt x="3220593" y="842010"/>
+                      <a:pt x="3255169" y="801815"/>
+                    </a:cubicBezTo>
+                    <a:cubicBezTo>
+                      <a:pt x="3284887" y="767239"/>
+                      <a:pt x="3314605" y="732473"/>
+                      <a:pt x="3339275" y="694182"/>
+                    </a:cubicBezTo>
+                    <a:cubicBezTo>
+                      <a:pt x="3368707" y="648367"/>
+                      <a:pt x="3390138" y="597980"/>
+                      <a:pt x="3409188" y="546926"/>
+                    </a:cubicBezTo>
+                    <a:cubicBezTo>
+                      <a:pt x="3433382" y="482156"/>
+                      <a:pt x="3453384" y="415861"/>
+                      <a:pt x="3464243" y="347663"/>
+                    </a:cubicBezTo>
+                    <a:cubicBezTo>
+                      <a:pt x="3476244" y="272224"/>
+                      <a:pt x="3661696" y="76295"/>
+                      <a:pt x="3665411" y="0"/>
+                    </a:cubicBezTo>
+                  </a:path>
+                </a:pathLst>
+              </a:custGeom>
+              <a:noFill/>
+              <a:ln w="9525" cap="rnd">
+                <a:solidFill>
+                  <a:schemeClr val="accent2">
+                    <a:alpha val="35000"/>
+                  </a:schemeClr>
+                </a:solidFill>
+                <a:prstDash val="lgDash"/>
+                <a:round/>
+              </a:ln>
+            </p:spPr>
+            <p:txBody>
+              <a:bodyPr rtlCol="0" anchor="ctr"/>
+              <a:lstStyle/>
+              <a:p>
+                <a:endParaRPr lang="en-US"/>
+              </a:p>
+            </p:txBody>
+          </p:sp>
+          <p:sp>
+            <p:nvSpPr>
+              <p:cNvPr id="91" name="Freeform: Shape 90">
+                <a:extLst>
+                  <a:ext uri="{FF2B5EF4-FFF2-40B4-BE49-F238E27FC236}">
+                    <a16:creationId xmlns:a16="http://schemas.microsoft.com/office/drawing/2014/main" id="{719B4517-9BB8-4C32-B87D-F5E8CD477E8F}"/>
+                  </a:ext>
+                  <a:ext uri="{C183D7F6-B498-43B3-948B-1728B52AA6E4}">
+                    <adec:decorative xmlns:adec="http://schemas.microsoft.com/office/drawing/2017/decorative" val="1"/>
+                  </a:ext>
+                </a:extLst>
+              </p:cNvPr>
+              <p:cNvSpPr/>
+              <p:nvPr>
+                <p:extLst>
+                  <p:ext uri="{386F3935-93C4-4BCD-93E2-E3B085C9AB24}">
+                    <p16:designElem xmlns:p16="http://schemas.microsoft.com/office/powerpoint/2015/main" val="1"/>
+                  </p:ext>
+                </p:extLst>
+              </p:nvPr>
+            </p:nvSpPr>
+            <p:spPr>
+              <a:xfrm>
+                <a:off x="7790402" y="5229700"/>
+                <a:ext cx="285940" cy="199072"/>
+              </a:xfrm>
+              <a:custGeom>
+                <a:avLst/>
+                <a:gdLst>
+                  <a:gd name="connsiteX0" fmla="*/ 0 w 285940"/>
+                  <a:gd name="connsiteY0" fmla="*/ 199073 h 199072"/>
+                  <a:gd name="connsiteX1" fmla="*/ 285940 w 285940"/>
+                  <a:gd name="connsiteY1" fmla="*/ 0 h 199072"/>
+                </a:gdLst>
+                <a:ahLst/>
+                <a:cxnLst>
+                  <a:cxn ang="0">
+                    <a:pos x="connsiteX0" y="connsiteY0"/>
+                  </a:cxn>
+                  <a:cxn ang="0">
+                    <a:pos x="connsiteX1" y="connsiteY1"/>
+                  </a:cxn>
+                </a:cxnLst>
+                <a:rect l="l" t="t" r="r" b="b"/>
+                <a:pathLst>
+                  <a:path w="285940" h="199072">
+                    <a:moveTo>
+                      <a:pt x="0" y="199073"/>
+                    </a:moveTo>
+                    <a:cubicBezTo>
+                      <a:pt x="0" y="199073"/>
+                      <a:pt x="242125" y="39243"/>
+                      <a:pt x="285940" y="0"/>
+                    </a:cubicBezTo>
+                  </a:path>
+                </a:pathLst>
+              </a:custGeom>
+              <a:noFill/>
+              <a:ln w="9525" cap="rnd">
+                <a:solidFill>
+                  <a:schemeClr val="accent2">
+                    <a:alpha val="35000"/>
+                  </a:schemeClr>
+                </a:solidFill>
+                <a:prstDash val="lgDash"/>
+                <a:round/>
+              </a:ln>
+            </p:spPr>
+            <p:txBody>
+              <a:bodyPr rtlCol="0" anchor="ctr"/>
+              <a:lstStyle/>
+              <a:p>
+                <a:endParaRPr lang="en-US"/>
+              </a:p>
+            </p:txBody>
+          </p:sp>
+          <p:sp>
+            <p:nvSpPr>
+              <p:cNvPr id="92" name="Freeform: Shape 91">
+                <a:extLst>
+                  <a:ext uri="{FF2B5EF4-FFF2-40B4-BE49-F238E27FC236}">
+                    <a16:creationId xmlns:a16="http://schemas.microsoft.com/office/drawing/2014/main" id="{EBA9DD75-9D79-4D26-8A36-B5D9BBA74F54}"/>
+                  </a:ext>
+                  <a:ext uri="{C183D7F6-B498-43B3-948B-1728B52AA6E4}">
+                    <adec:decorative xmlns:adec="http://schemas.microsoft.com/office/drawing/2017/decorative" val="1"/>
+                  </a:ext>
+                </a:extLst>
+              </p:cNvPr>
+              <p:cNvSpPr/>
+              <p:nvPr>
+                <p:extLst>
+                  <p:ext uri="{386F3935-93C4-4BCD-93E2-E3B085C9AB24}">
+                    <p16:designElem xmlns:p16="http://schemas.microsoft.com/office/powerpoint/2015/main" val="1"/>
+                  </p:ext>
+                </p:extLst>
+              </p:nvPr>
+            </p:nvSpPr>
+            <p:spPr>
+              <a:xfrm>
+                <a:off x="7393114" y="5049773"/>
+                <a:ext cx="655796" cy="381190"/>
+              </a:xfrm>
+              <a:custGeom>
+                <a:avLst/>
+                <a:gdLst>
+                  <a:gd name="connsiteX0" fmla="*/ 0 w 655796"/>
+                  <a:gd name="connsiteY0" fmla="*/ 381190 h 381190"/>
+                  <a:gd name="connsiteX1" fmla="*/ 655796 w 655796"/>
+                  <a:gd name="connsiteY1" fmla="*/ 0 h 381190"/>
+                </a:gdLst>
+                <a:ahLst/>
+                <a:cxnLst>
+                  <a:cxn ang="0">
+                    <a:pos x="connsiteX0" y="connsiteY0"/>
+                  </a:cxn>
+                  <a:cxn ang="0">
+                    <a:pos x="connsiteX1" y="connsiteY1"/>
+                  </a:cxn>
+                </a:cxnLst>
+                <a:rect l="l" t="t" r="r" b="b"/>
+                <a:pathLst>
+                  <a:path w="655796" h="381190">
+                    <a:moveTo>
+                      <a:pt x="0" y="381190"/>
+                    </a:moveTo>
+                    <a:cubicBezTo>
+                      <a:pt x="0" y="381190"/>
+                      <a:pt x="461105" y="172117"/>
+                      <a:pt x="655796" y="0"/>
+                    </a:cubicBezTo>
+                  </a:path>
+                </a:pathLst>
+              </a:custGeom>
+              <a:noFill/>
+              <a:ln w="9525" cap="rnd">
+                <a:solidFill>
+                  <a:schemeClr val="accent2">
+                    <a:alpha val="35000"/>
+                  </a:schemeClr>
+                </a:solidFill>
+                <a:prstDash val="lgDash"/>
+                <a:round/>
+              </a:ln>
+            </p:spPr>
+            <p:txBody>
+              <a:bodyPr rtlCol="0" anchor="ctr"/>
+              <a:lstStyle/>
+              <a:p>
+                <a:endParaRPr lang="en-US"/>
+              </a:p>
+            </p:txBody>
+          </p:sp>
+          <p:sp>
+            <p:nvSpPr>
+              <p:cNvPr id="93" name="Freeform: Shape 92">
+                <a:extLst>
+                  <a:ext uri="{FF2B5EF4-FFF2-40B4-BE49-F238E27FC236}">
+                    <a16:creationId xmlns:a16="http://schemas.microsoft.com/office/drawing/2014/main" id="{B4EFBFDC-6A43-4413-AC75-13861B0D4752}"/>
+                  </a:ext>
+                  <a:ext uri="{C183D7F6-B498-43B3-948B-1728B52AA6E4}">
+                    <adec:decorative xmlns:adec="http://schemas.microsoft.com/office/drawing/2017/decorative" val="1"/>
+                  </a:ext>
+                </a:extLst>
+              </p:cNvPr>
+              <p:cNvSpPr/>
+              <p:nvPr>
+                <p:extLst>
+                  <p:ext uri="{386F3935-93C4-4BCD-93E2-E3B085C9AB24}">
+                    <p16:designElem xmlns:p16="http://schemas.microsoft.com/office/powerpoint/2015/main" val="1"/>
+                  </p:ext>
+                </p:extLst>
+              </p:nvPr>
+            </p:nvSpPr>
+            <p:spPr>
+              <a:xfrm>
+                <a:off x="5154072" y="3867816"/>
+                <a:ext cx="2907315" cy="1544764"/>
+              </a:xfrm>
+              <a:custGeom>
+                <a:avLst/>
+                <a:gdLst>
+                  <a:gd name="connsiteX0" fmla="*/ 0 w 2907315"/>
+                  <a:gd name="connsiteY0" fmla="*/ 1544764 h 1544764"/>
+                  <a:gd name="connsiteX1" fmla="*/ 201644 w 2907315"/>
+                  <a:gd name="connsiteY1" fmla="*/ 1352550 h 1544764"/>
+                  <a:gd name="connsiteX2" fmla="*/ 423196 w 2907315"/>
+                  <a:gd name="connsiteY2" fmla="*/ 1196054 h 1544764"/>
+                  <a:gd name="connsiteX3" fmla="*/ 782193 w 2907315"/>
+                  <a:gd name="connsiteY3" fmla="*/ 1099947 h 1544764"/>
+                  <a:gd name="connsiteX4" fmla="*/ 1052513 w 2907315"/>
+                  <a:gd name="connsiteY4" fmla="*/ 1042321 h 1544764"/>
+                  <a:gd name="connsiteX5" fmla="*/ 1311783 w 2907315"/>
+                  <a:gd name="connsiteY5" fmla="*/ 1056037 h 1544764"/>
+                  <a:gd name="connsiteX6" fmla="*/ 1484662 w 2907315"/>
+                  <a:gd name="connsiteY6" fmla="*/ 1083469 h 1544764"/>
+                  <a:gd name="connsiteX7" fmla="*/ 1788224 w 2907315"/>
+                  <a:gd name="connsiteY7" fmla="*/ 1023080 h 1544764"/>
+                  <a:gd name="connsiteX8" fmla="*/ 2269045 w 2907315"/>
+                  <a:gd name="connsiteY8" fmla="*/ 734758 h 1544764"/>
+                  <a:gd name="connsiteX9" fmla="*/ 2534984 w 2907315"/>
+                  <a:gd name="connsiteY9" fmla="*/ 572738 h 1544764"/>
+                  <a:gd name="connsiteX10" fmla="*/ 2907316 w 2907315"/>
+                  <a:gd name="connsiteY10" fmla="*/ 0 h 1544764"/>
+                </a:gdLst>
+                <a:ahLst/>
+                <a:cxnLst>
+                  <a:cxn ang="0">
+                    <a:pos x="connsiteX0" y="connsiteY0"/>
+                  </a:cxn>
+                  <a:cxn ang="0">
+                    <a:pos x="connsiteX1" y="connsiteY1"/>
+                  </a:cxn>
+                  <a:cxn ang="0">
+                    <a:pos x="connsiteX2" y="connsiteY2"/>
+                  </a:cxn>
+                  <a:cxn ang="0">
+                    <a:pos x="connsiteX3" y="connsiteY3"/>
+                  </a:cxn>
+                  <a:cxn ang="0">
+                    <a:pos x="connsiteX4" y="connsiteY4"/>
+                  </a:cxn>
+                  <a:cxn ang="0">
+                    <a:pos x="connsiteX5" y="connsiteY5"/>
+                  </a:cxn>
+                  <a:cxn ang="0">
+                    <a:pos x="connsiteX6" y="connsiteY6"/>
+                  </a:cxn>
+                  <a:cxn ang="0">
+                    <a:pos x="connsiteX7" y="connsiteY7"/>
+                  </a:cxn>
+                  <a:cxn ang="0">
+                    <a:pos x="connsiteX8" y="connsiteY8"/>
+                  </a:cxn>
+                  <a:cxn ang="0">
+                    <a:pos x="connsiteX9" y="connsiteY9"/>
+                  </a:cxn>
+                  <a:cxn ang="0">
+                    <a:pos x="connsiteX10" y="connsiteY10"/>
+                  </a:cxn>
+                </a:cxnLst>
+                <a:rect l="l" t="t" r="r" b="b"/>
+                <a:pathLst>
+                  <a:path w="2907315" h="1544764">
+                    <a:moveTo>
+                      <a:pt x="0" y="1544764"/>
+                    </a:moveTo>
+                    <a:cubicBezTo>
+                      <a:pt x="0" y="1544764"/>
+                      <a:pt x="98012" y="1443990"/>
+                      <a:pt x="201644" y="1352550"/>
+                    </a:cubicBezTo>
+                    <a:cubicBezTo>
+                      <a:pt x="271272" y="1291209"/>
+                      <a:pt x="343662" y="1234249"/>
+                      <a:pt x="423196" y="1196054"/>
+                    </a:cubicBezTo>
+                    <a:cubicBezTo>
+                      <a:pt x="537591" y="1141095"/>
+                      <a:pt x="661226" y="1127189"/>
+                      <a:pt x="782193" y="1099947"/>
+                    </a:cubicBezTo>
+                    <a:cubicBezTo>
+                      <a:pt x="872300" y="1079659"/>
+                      <a:pt x="961358" y="1051370"/>
+                      <a:pt x="1052513" y="1042321"/>
+                    </a:cubicBezTo>
+                    <a:cubicBezTo>
+                      <a:pt x="1139000" y="1033653"/>
+                      <a:pt x="1225868" y="1040321"/>
+                      <a:pt x="1311783" y="1056037"/>
+                    </a:cubicBezTo>
+                    <a:cubicBezTo>
+                      <a:pt x="1369314" y="1066609"/>
+                      <a:pt x="1426559" y="1079373"/>
+                      <a:pt x="1484662" y="1083469"/>
+                    </a:cubicBezTo>
+                    <a:cubicBezTo>
+                      <a:pt x="1587913" y="1090803"/>
+                      <a:pt x="1690402" y="1064800"/>
+                      <a:pt x="1788224" y="1023080"/>
+                    </a:cubicBezTo>
+                    <a:cubicBezTo>
+                      <a:pt x="1956721" y="951262"/>
+                      <a:pt x="2106549" y="825722"/>
+                      <a:pt x="2269045" y="734758"/>
+                    </a:cubicBezTo>
+                    <a:cubicBezTo>
+                      <a:pt x="2359438" y="684181"/>
+                      <a:pt x="2452497" y="640556"/>
+                      <a:pt x="2534984" y="572738"/>
+                    </a:cubicBezTo>
+                    <a:cubicBezTo>
+                      <a:pt x="2673001" y="459391"/>
+                      <a:pt x="2847023" y="191453"/>
+                      <a:pt x="2907316" y="0"/>
+                    </a:cubicBezTo>
+                  </a:path>
+                </a:pathLst>
+              </a:custGeom>
+              <a:noFill/>
+              <a:ln w="9525" cap="rnd">
+                <a:solidFill>
+                  <a:schemeClr val="accent2">
+                    <a:alpha val="35000"/>
+                  </a:schemeClr>
+                </a:solidFill>
+                <a:prstDash val="lgDash"/>
+                <a:round/>
+              </a:ln>
+            </p:spPr>
+            <p:txBody>
+              <a:bodyPr rtlCol="0" anchor="ctr"/>
+              <a:lstStyle/>
+              <a:p>
+                <a:endParaRPr lang="en-US"/>
+              </a:p>
+            </p:txBody>
+          </p:sp>
+          <p:sp>
+            <p:nvSpPr>
+              <p:cNvPr id="94" name="Freeform: Shape 93">
+                <a:extLst>
+                  <a:ext uri="{FF2B5EF4-FFF2-40B4-BE49-F238E27FC236}">
+                    <a16:creationId xmlns:a16="http://schemas.microsoft.com/office/drawing/2014/main" id="{7236E5D8-45CC-41FA-A68C-608422971114}"/>
+                  </a:ext>
+                  <a:ext uri="{C183D7F6-B498-43B3-948B-1728B52AA6E4}">
+                    <adec:decorative xmlns:adec="http://schemas.microsoft.com/office/drawing/2017/decorative" val="1"/>
+                  </a:ext>
+                </a:extLst>
+              </p:cNvPr>
+              <p:cNvSpPr/>
+              <p:nvPr>
+                <p:extLst>
+                  <p:ext uri="{386F3935-93C4-4BCD-93E2-E3B085C9AB24}">
+                    <p16:designElem xmlns:p16="http://schemas.microsoft.com/office/powerpoint/2015/main" val="1"/>
+                  </p:ext>
+                </p:extLst>
+              </p:nvPr>
+            </p:nvSpPr>
+            <p:spPr>
+              <a:xfrm>
+                <a:off x="4907946" y="3479100"/>
+                <a:ext cx="3168300" cy="1952434"/>
+              </a:xfrm>
+              <a:custGeom>
+                <a:avLst/>
+                <a:gdLst>
+                  <a:gd name="connsiteX0" fmla="*/ 0 w 3168300"/>
+                  <a:gd name="connsiteY0" fmla="*/ 1952435 h 1952434"/>
+                  <a:gd name="connsiteX1" fmla="*/ 202121 w 3168300"/>
+                  <a:gd name="connsiteY1" fmla="*/ 1687068 h 1952434"/>
+                  <a:gd name="connsiteX2" fmla="*/ 545116 w 3168300"/>
+                  <a:gd name="connsiteY2" fmla="*/ 1450277 h 1952434"/>
+                  <a:gd name="connsiteX3" fmla="*/ 906780 w 3168300"/>
+                  <a:gd name="connsiteY3" fmla="*/ 1354455 h 1952434"/>
+                  <a:gd name="connsiteX4" fmla="*/ 1332262 w 3168300"/>
+                  <a:gd name="connsiteY4" fmla="*/ 1285304 h 1952434"/>
+                  <a:gd name="connsiteX5" fmla="*/ 1691259 w 3168300"/>
+                  <a:gd name="connsiteY5" fmla="*/ 1240060 h 1952434"/>
+                  <a:gd name="connsiteX6" fmla="*/ 2010346 w 3168300"/>
+                  <a:gd name="connsiteY6" fmla="*/ 1141667 h 1952434"/>
+                  <a:gd name="connsiteX7" fmla="*/ 2393252 w 3168300"/>
+                  <a:gd name="connsiteY7" fmla="*/ 1027271 h 1952434"/>
+                  <a:gd name="connsiteX8" fmla="*/ 2582037 w 3168300"/>
+                  <a:gd name="connsiteY8" fmla="*/ 958120 h 1952434"/>
+                  <a:gd name="connsiteX9" fmla="*/ 2760155 w 3168300"/>
+                  <a:gd name="connsiteY9" fmla="*/ 827723 h 1952434"/>
+                  <a:gd name="connsiteX10" fmla="*/ 2914364 w 3168300"/>
+                  <a:gd name="connsiteY10" fmla="*/ 567023 h 1952434"/>
+                  <a:gd name="connsiteX11" fmla="*/ 3168301 w 3168300"/>
+                  <a:gd name="connsiteY11" fmla="*/ 0 h 1952434"/>
+                </a:gdLst>
+                <a:ahLst/>
+                <a:cxnLst>
+                  <a:cxn ang="0">
+                    <a:pos x="connsiteX0" y="connsiteY0"/>
+                  </a:cxn>
+                  <a:cxn ang="0">
+                    <a:pos x="connsiteX1" y="connsiteY1"/>
+                  </a:cxn>
+                  <a:cxn ang="0">
+                    <a:pos x="connsiteX2" y="connsiteY2"/>
+                  </a:cxn>
+                  <a:cxn ang="0">
+                    <a:pos x="connsiteX3" y="connsiteY3"/>
+                  </a:cxn>
+                  <a:cxn ang="0">
+                    <a:pos x="connsiteX4" y="connsiteY4"/>
+                  </a:cxn>
+                  <a:cxn ang="0">
+                    <a:pos x="connsiteX5" y="connsiteY5"/>
+                  </a:cxn>
+                  <a:cxn ang="0">
+                    <a:pos x="connsiteX6" y="connsiteY6"/>
+                  </a:cxn>
+                  <a:cxn ang="0">
+                    <a:pos x="connsiteX7" y="connsiteY7"/>
+                  </a:cxn>
+                  <a:cxn ang="0">
+                    <a:pos x="connsiteX8" y="connsiteY8"/>
+                  </a:cxn>
+                  <a:cxn ang="0">
+                    <a:pos x="connsiteX9" y="connsiteY9"/>
+                  </a:cxn>
+                  <a:cxn ang="0">
+                    <a:pos x="connsiteX10" y="connsiteY10"/>
+                  </a:cxn>
+                  <a:cxn ang="0">
+                    <a:pos x="connsiteX11" y="connsiteY11"/>
+                  </a:cxn>
+                </a:cxnLst>
+                <a:rect l="l" t="t" r="r" b="b"/>
+                <a:pathLst>
+                  <a:path w="3168300" h="1952434">
+                    <a:moveTo>
+                      <a:pt x="0" y="1952435"/>
+                    </a:moveTo>
+                    <a:cubicBezTo>
+                      <a:pt x="0" y="1952435"/>
+                      <a:pt x="91059" y="1796415"/>
+                      <a:pt x="202121" y="1687068"/>
+                    </a:cubicBezTo>
+                    <a:cubicBezTo>
+                      <a:pt x="301943" y="1588675"/>
+                      <a:pt x="416528" y="1505617"/>
+                      <a:pt x="545116" y="1450277"/>
+                    </a:cubicBezTo>
+                    <a:cubicBezTo>
+                      <a:pt x="659987" y="1400747"/>
+                      <a:pt x="783622" y="1377601"/>
+                      <a:pt x="906780" y="1354455"/>
+                    </a:cubicBezTo>
+                    <a:cubicBezTo>
+                      <a:pt x="1048036" y="1327976"/>
+                      <a:pt x="1189482" y="1301972"/>
+                      <a:pt x="1332262" y="1285304"/>
+                    </a:cubicBezTo>
+                    <a:cubicBezTo>
+                      <a:pt x="1452182" y="1271302"/>
+                      <a:pt x="1573340" y="1265873"/>
+                      <a:pt x="1691259" y="1240060"/>
+                    </a:cubicBezTo>
+                    <a:cubicBezTo>
+                      <a:pt x="1800035" y="1216247"/>
+                      <a:pt x="1904619" y="1176718"/>
+                      <a:pt x="2010346" y="1141667"/>
+                    </a:cubicBezTo>
+                    <a:cubicBezTo>
+                      <a:pt x="2136743" y="1099661"/>
+                      <a:pt x="2265902" y="1066229"/>
+                      <a:pt x="2393252" y="1027271"/>
+                    </a:cubicBezTo>
+                    <a:cubicBezTo>
+                      <a:pt x="2457450" y="1007650"/>
+                      <a:pt x="2521744" y="987552"/>
+                      <a:pt x="2582037" y="958120"/>
+                    </a:cubicBezTo>
+                    <a:cubicBezTo>
+                      <a:pt x="2648807" y="925449"/>
+                      <a:pt x="2710815" y="883349"/>
+                      <a:pt x="2760155" y="827723"/>
+                    </a:cubicBezTo>
+                    <a:cubicBezTo>
+                      <a:pt x="2827496" y="751904"/>
+                      <a:pt x="2867978" y="657511"/>
+                      <a:pt x="2914364" y="567023"/>
+                    </a:cubicBezTo>
+                    <a:cubicBezTo>
+                      <a:pt x="2972753" y="453200"/>
+                      <a:pt x="3119152" y="118015"/>
+                      <a:pt x="3168301" y="0"/>
+                    </a:cubicBezTo>
+                  </a:path>
+                </a:pathLst>
+              </a:custGeom>
+              <a:noFill/>
+              <a:ln w="9525" cap="rnd">
+                <a:solidFill>
+                  <a:schemeClr val="accent2">
+                    <a:alpha val="35000"/>
+                  </a:schemeClr>
+                </a:solidFill>
+                <a:prstDash val="lgDash"/>
+                <a:round/>
+              </a:ln>
+            </p:spPr>
+            <p:txBody>
+              <a:bodyPr rtlCol="0" anchor="ctr"/>
+              <a:lstStyle/>
+              <a:p>
+                <a:endParaRPr lang="en-US"/>
+              </a:p>
+            </p:txBody>
+          </p:sp>
+          <p:sp>
+            <p:nvSpPr>
+              <p:cNvPr id="95" name="Freeform: Shape 94">
+                <a:extLst>
+                  <a:ext uri="{FF2B5EF4-FFF2-40B4-BE49-F238E27FC236}">
+                    <a16:creationId xmlns:a16="http://schemas.microsoft.com/office/drawing/2014/main" id="{24BED8DA-C8A2-4323-A230-5D354066CA2D}"/>
+                  </a:ext>
+                  <a:ext uri="{C183D7F6-B498-43B3-948B-1728B52AA6E4}">
+                    <adec:decorative xmlns:adec="http://schemas.microsoft.com/office/drawing/2017/decorative" val="1"/>
+                  </a:ext>
+                </a:extLst>
+              </p:cNvPr>
+              <p:cNvSpPr/>
+              <p:nvPr>
+                <p:extLst>
+                  <p:ext uri="{386F3935-93C4-4BCD-93E2-E3B085C9AB24}">
+                    <p16:designElem xmlns:p16="http://schemas.microsoft.com/office/powerpoint/2015/main" val="1"/>
+                  </p:ext>
+                </p:extLst>
+              </p:nvPr>
+            </p:nvSpPr>
+            <p:spPr>
+              <a:xfrm>
+                <a:off x="4704778" y="2976752"/>
+                <a:ext cx="3356800" cy="2452020"/>
+              </a:xfrm>
+              <a:custGeom>
+                <a:avLst/>
+                <a:gdLst>
+                  <a:gd name="connsiteX0" fmla="*/ 0 w 3356800"/>
+                  <a:gd name="connsiteY0" fmla="*/ 2452021 h 2452020"/>
+                  <a:gd name="connsiteX1" fmla="*/ 130874 w 3356800"/>
+                  <a:gd name="connsiteY1" fmla="*/ 2247710 h 2452020"/>
+                  <a:gd name="connsiteX2" fmla="*/ 437197 w 3356800"/>
+                  <a:gd name="connsiteY2" fmla="*/ 1941195 h 2452020"/>
+                  <a:gd name="connsiteX3" fmla="*/ 737140 w 3356800"/>
+                  <a:gd name="connsiteY3" fmla="*/ 1736884 h 2452020"/>
+                  <a:gd name="connsiteX4" fmla="*/ 1031843 w 3356800"/>
+                  <a:gd name="connsiteY4" fmla="*/ 1685068 h 2452020"/>
+                  <a:gd name="connsiteX5" fmla="*/ 1287304 w 3356800"/>
+                  <a:gd name="connsiteY5" fmla="*/ 1655826 h 2452020"/>
+                  <a:gd name="connsiteX6" fmla="*/ 1471994 w 3356800"/>
+                  <a:gd name="connsiteY6" fmla="*/ 1634300 h 2452020"/>
+                  <a:gd name="connsiteX7" fmla="*/ 1898237 w 3356800"/>
+                  <a:gd name="connsiteY7" fmla="*/ 1512665 h 2452020"/>
+                  <a:gd name="connsiteX8" fmla="*/ 2229136 w 3356800"/>
+                  <a:gd name="connsiteY8" fmla="*/ 1355598 h 2452020"/>
+                  <a:gd name="connsiteX9" fmla="*/ 2512314 w 3356800"/>
+                  <a:gd name="connsiteY9" fmla="*/ 1238631 h 2452020"/>
+                  <a:gd name="connsiteX10" fmla="*/ 2758535 w 3356800"/>
+                  <a:gd name="connsiteY10" fmla="*/ 1096994 h 2452020"/>
+                  <a:gd name="connsiteX11" fmla="*/ 2935510 w 3356800"/>
+                  <a:gd name="connsiteY11" fmla="*/ 919925 h 2452020"/>
+                  <a:gd name="connsiteX12" fmla="*/ 3081719 w 3356800"/>
+                  <a:gd name="connsiteY12" fmla="*/ 687419 h 2452020"/>
+                  <a:gd name="connsiteX13" fmla="*/ 3356800 w 3356800"/>
+                  <a:gd name="connsiteY13" fmla="*/ 0 h 2452020"/>
+                </a:gdLst>
+                <a:ahLst/>
+                <a:cxnLst>
+                  <a:cxn ang="0">
+                    <a:pos x="connsiteX0" y="connsiteY0"/>
+                  </a:cxn>
+                  <a:cxn ang="0">
+                    <a:pos x="connsiteX1" y="connsiteY1"/>
+                  </a:cxn>
+                  <a:cxn ang="0">
+                    <a:pos x="connsiteX2" y="connsiteY2"/>
+                  </a:cxn>
+                  <a:cxn ang="0">
+                    <a:pos x="connsiteX3" y="connsiteY3"/>
+                  </a:cxn>
+                  <a:cxn ang="0">
+                    <a:pos x="connsiteX4" y="connsiteY4"/>
+                  </a:cxn>
+                  <a:cxn ang="0">
+                    <a:pos x="connsiteX5" y="connsiteY5"/>
+                  </a:cxn>
+                  <a:cxn ang="0">
+                    <a:pos x="connsiteX6" y="connsiteY6"/>
+                  </a:cxn>
+                  <a:cxn ang="0">
+                    <a:pos x="connsiteX7" y="connsiteY7"/>
+                  </a:cxn>
+                  <a:cxn ang="0">
+                    <a:pos x="connsiteX8" y="connsiteY8"/>
+                  </a:cxn>
+                  <a:cxn ang="0">
+                    <a:pos x="connsiteX9" y="connsiteY9"/>
+                  </a:cxn>
+                  <a:cxn ang="0">
+                    <a:pos x="connsiteX10" y="connsiteY10"/>
+                  </a:cxn>
+                  <a:cxn ang="0">
+                    <a:pos x="connsiteX11" y="connsiteY11"/>
+                  </a:cxn>
+                  <a:cxn ang="0">
+                    <a:pos x="connsiteX12" y="connsiteY12"/>
+                  </a:cxn>
+                  <a:cxn ang="0">
+                    <a:pos x="connsiteX13" y="connsiteY13"/>
+                  </a:cxn>
+                </a:cxnLst>
+                <a:rect l="l" t="t" r="r" b="b"/>
+                <a:pathLst>
+                  <a:path w="3356800" h="2452020">
+                    <a:moveTo>
+                      <a:pt x="0" y="2452021"/>
+                    </a:moveTo>
+                    <a:cubicBezTo>
+                      <a:pt x="0" y="2452021"/>
+                      <a:pt x="57150" y="2344198"/>
+                      <a:pt x="130874" y="2247710"/>
+                    </a:cubicBezTo>
+                    <a:cubicBezTo>
+                      <a:pt x="218694" y="2132648"/>
+                      <a:pt x="328136" y="2036635"/>
+                      <a:pt x="437197" y="1941195"/>
+                    </a:cubicBezTo>
+                    <a:cubicBezTo>
+                      <a:pt x="529304" y="1860709"/>
+                      <a:pt x="623030" y="1779556"/>
+                      <a:pt x="737140" y="1736884"/>
+                    </a:cubicBezTo>
+                    <a:cubicBezTo>
+                      <a:pt x="830866" y="1701736"/>
+                      <a:pt x="932021" y="1695450"/>
+                      <a:pt x="1031843" y="1685068"/>
+                    </a:cubicBezTo>
+                    <a:cubicBezTo>
+                      <a:pt x="1117092" y="1676210"/>
+                      <a:pt x="1202055" y="1665160"/>
+                      <a:pt x="1287304" y="1655826"/>
+                    </a:cubicBezTo>
+                    <a:cubicBezTo>
+                      <a:pt x="1348931" y="1649063"/>
+                      <a:pt x="1410653" y="1643539"/>
+                      <a:pt x="1471994" y="1634300"/>
+                    </a:cubicBezTo>
+                    <a:cubicBezTo>
+                      <a:pt x="1618679" y="1612011"/>
+                      <a:pt x="1761935" y="1571149"/>
+                      <a:pt x="1898237" y="1512665"/>
+                    </a:cubicBezTo>
+                    <a:cubicBezTo>
+                      <a:pt x="2010442" y="1464564"/>
+                      <a:pt x="2117503" y="1405128"/>
+                      <a:pt x="2229136" y="1355598"/>
+                    </a:cubicBezTo>
+                    <a:cubicBezTo>
+                      <a:pt x="2322481" y="1314164"/>
+                      <a:pt x="2418969" y="1280160"/>
+                      <a:pt x="2512314" y="1238631"/>
+                    </a:cubicBezTo>
+                    <a:cubicBezTo>
+                      <a:pt x="2599087" y="1199960"/>
+                      <a:pt x="2683193" y="1154811"/>
+                      <a:pt x="2758535" y="1096994"/>
+                    </a:cubicBezTo>
+                    <a:cubicBezTo>
+                      <a:pt x="2825020" y="1046035"/>
+                      <a:pt x="2883789" y="985837"/>
+                      <a:pt x="2935510" y="919925"/>
+                    </a:cubicBezTo>
+                    <a:cubicBezTo>
+                      <a:pt x="2992184" y="847725"/>
+                      <a:pt x="3039904" y="769144"/>
+                      <a:pt x="3081719" y="687419"/>
+                    </a:cubicBezTo>
+                    <a:cubicBezTo>
+                      <a:pt x="3138297" y="576739"/>
+                      <a:pt x="3314129" y="116776"/>
+                      <a:pt x="3356800" y="0"/>
+                    </a:cubicBezTo>
+                  </a:path>
+                </a:pathLst>
+              </a:custGeom>
+              <a:noFill/>
+              <a:ln w="9525" cap="rnd">
+                <a:solidFill>
+                  <a:schemeClr val="accent2">
+                    <a:alpha val="35000"/>
+                  </a:schemeClr>
+                </a:solidFill>
+                <a:prstDash val="lgDash"/>
+                <a:round/>
+              </a:ln>
+            </p:spPr>
+            <p:txBody>
+              <a:bodyPr rtlCol="0" anchor="ctr"/>
+              <a:lstStyle/>
+              <a:p>
+                <a:endParaRPr lang="en-US"/>
+              </a:p>
+            </p:txBody>
+          </p:sp>
+        </p:grpSp>
+        <p:sp>
+          <p:nvSpPr>
+            <p:cNvPr id="88" name="Freeform: Shape 87">
+              <a:extLst>
+                <a:ext uri="{FF2B5EF4-FFF2-40B4-BE49-F238E27FC236}">
+                  <a16:creationId xmlns:a16="http://schemas.microsoft.com/office/drawing/2014/main" id="{AA700AC1-CD4C-4962-B47B-92CDE218AB43}"/>
+                </a:ext>
+                <a:ext uri="{C183D7F6-B498-43B3-948B-1728B52AA6E4}">
+                  <adec:decorative xmlns:adec="http://schemas.microsoft.com/office/drawing/2017/decorative" val="1"/>
+                </a:ext>
+              </a:extLst>
+            </p:cNvPr>
+            <p:cNvSpPr/>
+            <p:nvPr>
+              <p:extLst>
+                <p:ext uri="{386F3935-93C4-4BCD-93E2-E3B085C9AB24}">
+                  <p16:designElem xmlns:p16="http://schemas.microsoft.com/office/powerpoint/2015/main" val="1"/>
+                </p:ext>
+              </p:extLst>
+            </p:nvPr>
+          </p:nvSpPr>
+          <p:spPr>
+            <a:xfrm>
+              <a:off x="7980400" y="5197178"/>
+              <a:ext cx="4211600" cy="1660822"/>
+            </a:xfrm>
+            <a:custGeom>
+              <a:avLst/>
+              <a:gdLst>
+                <a:gd name="connsiteX0" fmla="*/ 4211600 w 4211600"/>
+                <a:gd name="connsiteY0" fmla="*/ 0 h 1660822"/>
+                <a:gd name="connsiteX1" fmla="*/ 4211600 w 4211600"/>
+                <a:gd name="connsiteY1" fmla="*/ 58430 h 1660822"/>
+                <a:gd name="connsiteX2" fmla="*/ 4136524 w 4211600"/>
+                <a:gd name="connsiteY2" fmla="*/ 208808 h 1660822"/>
+                <a:gd name="connsiteX3" fmla="*/ 3973354 w 4211600"/>
+                <a:gd name="connsiteY3" fmla="*/ 437313 h 1660822"/>
+                <a:gd name="connsiteX4" fmla="*/ 3884746 w 4211600"/>
+                <a:gd name="connsiteY4" fmla="*/ 553613 h 1660822"/>
+                <a:gd name="connsiteX5" fmla="*/ 3849435 w 4211600"/>
+                <a:gd name="connsiteY5" fmla="*/ 603143 h 1660822"/>
+                <a:gd name="connsiteX6" fmla="*/ 3661849 w 4211600"/>
+                <a:gd name="connsiteY6" fmla="*/ 819075 h 1660822"/>
+                <a:gd name="connsiteX7" fmla="*/ 3402589 w 4211600"/>
+                <a:gd name="connsiteY7" fmla="*/ 952996 h 1660822"/>
+                <a:gd name="connsiteX8" fmla="*/ 3130202 w 4211600"/>
+                <a:gd name="connsiteY8" fmla="*/ 1023386 h 1660822"/>
+                <a:gd name="connsiteX9" fmla="*/ 2914657 w 4211600"/>
+                <a:gd name="connsiteY9" fmla="*/ 1068058 h 1660822"/>
+                <a:gd name="connsiteX10" fmla="*/ 2582149 w 4211600"/>
+                <a:gd name="connsiteY10" fmla="*/ 1138924 h 1660822"/>
+                <a:gd name="connsiteX11" fmla="*/ 2483958 w 4211600"/>
+                <a:gd name="connsiteY11" fmla="*/ 1162356 h 1660822"/>
+                <a:gd name="connsiteX12" fmla="*/ 2123750 w 4211600"/>
+                <a:gd name="connsiteY12" fmla="*/ 1238651 h 1660822"/>
+                <a:gd name="connsiteX13" fmla="*/ 1761444 w 4211600"/>
+                <a:gd name="connsiteY13" fmla="*/ 1273417 h 1660822"/>
+                <a:gd name="connsiteX14" fmla="*/ 1608382 w 4211600"/>
+                <a:gd name="connsiteY14" fmla="*/ 1284466 h 1660822"/>
+                <a:gd name="connsiteX15" fmla="*/ 999942 w 4211600"/>
+                <a:gd name="connsiteY15" fmla="*/ 1354284 h 1660822"/>
+                <a:gd name="connsiteX16" fmla="*/ 484705 w 4211600"/>
+                <a:gd name="connsiteY16" fmla="*/ 1450487 h 1660822"/>
+                <a:gd name="connsiteX17" fmla="*/ 113310 w 4211600"/>
+                <a:gd name="connsiteY17" fmla="*/ 1613700 h 1660822"/>
+                <a:gd name="connsiteX18" fmla="*/ 39668 w 4211600"/>
+                <a:gd name="connsiteY18" fmla="*/ 1660822 h 1660822"/>
+                <a:gd name="connsiteX19" fmla="*/ 0 w 4211600"/>
+                <a:gd name="connsiteY19" fmla="*/ 1660822 h 1660822"/>
+                <a:gd name="connsiteX20" fmla="*/ 96701 w 4211600"/>
+                <a:gd name="connsiteY20" fmla="*/ 1598934 h 1660822"/>
+                <a:gd name="connsiteX21" fmla="*/ 474335 w 4211600"/>
+                <a:gd name="connsiteY21" fmla="*/ 1433056 h 1660822"/>
+                <a:gd name="connsiteX22" fmla="*/ 994299 w 4211600"/>
+                <a:gd name="connsiteY22" fmla="*/ 1335806 h 1660822"/>
+                <a:gd name="connsiteX23" fmla="*/ 1605231 w 4211600"/>
+                <a:gd name="connsiteY23" fmla="*/ 1265702 h 1660822"/>
+                <a:gd name="connsiteX24" fmla="*/ 1758819 w 4211600"/>
+                <a:gd name="connsiteY24" fmla="*/ 1254558 h 1660822"/>
+                <a:gd name="connsiteX25" fmla="*/ 2118106 w 4211600"/>
+                <a:gd name="connsiteY25" fmla="*/ 1220077 h 1660822"/>
+                <a:gd name="connsiteX26" fmla="*/ 2475557 w 4211600"/>
+                <a:gd name="connsiteY26" fmla="*/ 1144353 h 1660822"/>
+                <a:gd name="connsiteX27" fmla="*/ 2573878 w 4211600"/>
+                <a:gd name="connsiteY27" fmla="*/ 1120827 h 1660822"/>
+                <a:gd name="connsiteX28" fmla="*/ 2907437 w 4211600"/>
+                <a:gd name="connsiteY28" fmla="*/ 1049675 h 1660822"/>
+                <a:gd name="connsiteX29" fmla="*/ 3122589 w 4211600"/>
+                <a:gd name="connsiteY29" fmla="*/ 1005098 h 1660822"/>
+                <a:gd name="connsiteX30" fmla="*/ 3391169 w 4211600"/>
+                <a:gd name="connsiteY30" fmla="*/ 935756 h 1660822"/>
+                <a:gd name="connsiteX31" fmla="*/ 3642290 w 4211600"/>
+                <a:gd name="connsiteY31" fmla="*/ 806216 h 1660822"/>
+                <a:gd name="connsiteX32" fmla="*/ 3825937 w 4211600"/>
+                <a:gd name="connsiteY32" fmla="*/ 594475 h 1660822"/>
+                <a:gd name="connsiteX33" fmla="*/ 3861381 w 4211600"/>
+                <a:gd name="connsiteY33" fmla="*/ 544755 h 1660822"/>
+                <a:gd name="connsiteX34" fmla="*/ 3950381 w 4211600"/>
+                <a:gd name="connsiteY34" fmla="*/ 427978 h 1660822"/>
+                <a:gd name="connsiteX35" fmla="*/ 4112370 w 4211600"/>
+                <a:gd name="connsiteY35" fmla="*/ 201378 h 1660822"/>
+                <a:gd name="connsiteX36" fmla="*/ 4195989 w 4211600"/>
+                <a:gd name="connsiteY36" fmla="*/ 33834 h 1660822"/>
+              </a:gdLst>
+              <a:ahLst/>
+              <a:cxnLst>
+                <a:cxn ang="0">
+                  <a:pos x="connsiteX0" y="connsiteY0"/>
+                </a:cxn>
+                <a:cxn ang="0">
+                  <a:pos x="connsiteX1" y="connsiteY1"/>
+                </a:cxn>
+                <a:cxn ang="0">
+                  <a:pos x="connsiteX2" y="connsiteY2"/>
+                </a:cxn>
+                <a:cxn ang="0">
+                  <a:pos x="connsiteX3" y="connsiteY3"/>
+                </a:cxn>
+                <a:cxn ang="0">
+                  <a:pos x="connsiteX4" y="connsiteY4"/>
+                </a:cxn>
+                <a:cxn ang="0">
+                  <a:pos x="connsiteX5" y="connsiteY5"/>
+                </a:cxn>
+                <a:cxn ang="0">
+                  <a:pos x="connsiteX6" y="connsiteY6"/>
+                </a:cxn>
+                <a:cxn ang="0">
+                  <a:pos x="connsiteX7" y="connsiteY7"/>
+                </a:cxn>
+                <a:cxn ang="0">
+                  <a:pos x="connsiteX8" y="connsiteY8"/>
+                </a:cxn>
+                <a:cxn ang="0">
+                  <a:pos x="connsiteX9" y="connsiteY9"/>
+                </a:cxn>
+                <a:cxn ang="0">
+                  <a:pos x="connsiteX10" y="connsiteY10"/>
+                </a:cxn>
+                <a:cxn ang="0">
+                  <a:pos x="connsiteX11" y="connsiteY11"/>
+                </a:cxn>
+                <a:cxn ang="0">
+                  <a:pos x="connsiteX12" y="connsiteY12"/>
+                </a:cxn>
+                <a:cxn ang="0">
+                  <a:pos x="connsiteX13" y="connsiteY13"/>
+                </a:cxn>
+                <a:cxn ang="0">
+                  <a:pos x="connsiteX14" y="connsiteY14"/>
+                </a:cxn>
+                <a:cxn ang="0">
+                  <a:pos x="connsiteX15" y="connsiteY15"/>
+                </a:cxn>
+                <a:cxn ang="0">
+                  <a:pos x="connsiteX16" y="connsiteY16"/>
+                </a:cxn>
+                <a:cxn ang="0">
+                  <a:pos x="connsiteX17" y="connsiteY17"/>
+                </a:cxn>
+                <a:cxn ang="0">
+                  <a:pos x="connsiteX18" y="connsiteY18"/>
+                </a:cxn>
+                <a:cxn ang="0">
+                  <a:pos x="connsiteX19" y="connsiteY19"/>
+                </a:cxn>
+                <a:cxn ang="0">
+                  <a:pos x="connsiteX20" y="connsiteY20"/>
+                </a:cxn>
+                <a:cxn ang="0">
+                  <a:pos x="connsiteX21" y="connsiteY21"/>
+                </a:cxn>
+                <a:cxn ang="0">
+                  <a:pos x="connsiteX22" y="connsiteY22"/>
+                </a:cxn>
+                <a:cxn ang="0">
+                  <a:pos x="connsiteX23" y="connsiteY23"/>
+                </a:cxn>
+                <a:cxn ang="0">
+                  <a:pos x="connsiteX24" y="connsiteY24"/>
+                </a:cxn>
+                <a:cxn ang="0">
+                  <a:pos x="connsiteX25" y="connsiteY25"/>
+                </a:cxn>
+                <a:cxn ang="0">
+                  <a:pos x="connsiteX26" y="connsiteY26"/>
+                </a:cxn>
+                <a:cxn ang="0">
+                  <a:pos x="connsiteX27" y="connsiteY27"/>
+                </a:cxn>
+                <a:cxn ang="0">
+                  <a:pos x="connsiteX28" y="connsiteY28"/>
+                </a:cxn>
+                <a:cxn ang="0">
+                  <a:pos x="connsiteX29" y="connsiteY29"/>
+                </a:cxn>
+                <a:cxn ang="0">
+                  <a:pos x="connsiteX30" y="connsiteY30"/>
+                </a:cxn>
+                <a:cxn ang="0">
+                  <a:pos x="connsiteX31" y="connsiteY31"/>
+                </a:cxn>
+                <a:cxn ang="0">
+                  <a:pos x="connsiteX32" y="connsiteY32"/>
+                </a:cxn>
+                <a:cxn ang="0">
+                  <a:pos x="connsiteX33" y="connsiteY33"/>
+                </a:cxn>
+                <a:cxn ang="0">
+                  <a:pos x="connsiteX34" y="connsiteY34"/>
+                </a:cxn>
+                <a:cxn ang="0">
+                  <a:pos x="connsiteX35" y="connsiteY35"/>
+                </a:cxn>
+                <a:cxn ang="0">
+                  <a:pos x="connsiteX36" y="connsiteY36"/>
+                </a:cxn>
+              </a:cxnLst>
+              <a:rect l="l" t="t" r="r" b="b"/>
+              <a:pathLst>
+                <a:path w="4211600" h="1660822">
+                  <a:moveTo>
+                    <a:pt x="4211600" y="0"/>
+                  </a:moveTo>
+                  <a:lnTo>
+                    <a:pt x="4211600" y="58430"/>
+                  </a:lnTo>
+                  <a:lnTo>
+                    <a:pt x="4136524" y="208808"/>
+                  </a:lnTo>
+                  <a:cubicBezTo>
+                    <a:pt x="4089791" y="287770"/>
+                    <a:pt x="4030588" y="363780"/>
+                    <a:pt x="3973354" y="437313"/>
+                  </a:cubicBezTo>
+                  <a:cubicBezTo>
+                    <a:pt x="3943819" y="475222"/>
+                    <a:pt x="3913231" y="514465"/>
+                    <a:pt x="3884746" y="553613"/>
+                  </a:cubicBezTo>
+                  <a:cubicBezTo>
+                    <a:pt x="3872801" y="569996"/>
+                    <a:pt x="3861119" y="586569"/>
+                    <a:pt x="3849435" y="603143"/>
+                  </a:cubicBezTo>
+                  <a:cubicBezTo>
+                    <a:pt x="3796665" y="678009"/>
+                    <a:pt x="3742187" y="755352"/>
+                    <a:pt x="3661849" y="819075"/>
+                  </a:cubicBezTo>
+                  <a:cubicBezTo>
+                    <a:pt x="3596214" y="871176"/>
+                    <a:pt x="3509050" y="916230"/>
+                    <a:pt x="3402589" y="952996"/>
+                  </a:cubicBezTo>
+                  <a:cubicBezTo>
+                    <a:pt x="3312406" y="984048"/>
+                    <a:pt x="3215660" y="1005003"/>
+                    <a:pt x="3130202" y="1023386"/>
+                  </a:cubicBezTo>
+                  <a:cubicBezTo>
+                    <a:pt x="3058529" y="1038816"/>
+                    <a:pt x="2985412" y="1053675"/>
+                    <a:pt x="2914657" y="1068058"/>
+                  </a:cubicBezTo>
+                  <a:cubicBezTo>
+                    <a:pt x="2805176" y="1090251"/>
+                    <a:pt x="2692021" y="1113207"/>
+                    <a:pt x="2582149" y="1138924"/>
+                  </a:cubicBezTo>
+                  <a:cubicBezTo>
+                    <a:pt x="2549330" y="1146639"/>
+                    <a:pt x="2516644" y="1154450"/>
+                    <a:pt x="2483958" y="1162356"/>
+                  </a:cubicBezTo>
+                  <a:cubicBezTo>
+                    <a:pt x="2367257" y="1190550"/>
+                    <a:pt x="2246621" y="1219601"/>
+                    <a:pt x="2123750" y="1238651"/>
+                  </a:cubicBezTo>
+                  <a:cubicBezTo>
+                    <a:pt x="2004294" y="1257129"/>
+                    <a:pt x="1880769" y="1265416"/>
+                    <a:pt x="1761444" y="1273417"/>
+                  </a:cubicBezTo>
+                  <a:cubicBezTo>
+                    <a:pt x="1711167" y="1276751"/>
+                    <a:pt x="1659184" y="1280275"/>
+                    <a:pt x="1608382" y="1284466"/>
+                  </a:cubicBezTo>
+                  <a:cubicBezTo>
+                    <a:pt x="1408589" y="1300944"/>
+                    <a:pt x="1214570" y="1325805"/>
+                    <a:pt x="999942" y="1354284"/>
+                  </a:cubicBezTo>
+                  <a:cubicBezTo>
+                    <a:pt x="826403" y="1377240"/>
+                    <a:pt x="647744" y="1400957"/>
+                    <a:pt x="484705" y="1450487"/>
+                  </a:cubicBezTo>
+                  <a:cubicBezTo>
+                    <a:pt x="355831" y="1489635"/>
+                    <a:pt x="231387" y="1544374"/>
+                    <a:pt x="113310" y="1613700"/>
+                  </a:cubicBezTo>
+                  <a:lnTo>
+                    <a:pt x="39668" y="1660822"/>
+                  </a:lnTo>
+                  <a:lnTo>
+                    <a:pt x="0" y="1660822"/>
+                  </a:lnTo>
+                  <a:lnTo>
+                    <a:pt x="96701" y="1598934"/>
+                  </a:lnTo>
+                  <a:cubicBezTo>
+                    <a:pt x="216635" y="1528533"/>
+                    <a:pt x="343196" y="1472919"/>
+                    <a:pt x="474335" y="1433056"/>
+                  </a:cubicBezTo>
+                  <a:cubicBezTo>
+                    <a:pt x="639999" y="1382669"/>
+                    <a:pt x="820102" y="1358856"/>
+                    <a:pt x="994299" y="1335806"/>
+                  </a:cubicBezTo>
+                  <a:cubicBezTo>
+                    <a:pt x="1210239" y="1307231"/>
+                    <a:pt x="1404650" y="1282275"/>
+                    <a:pt x="1605231" y="1265702"/>
+                  </a:cubicBezTo>
+                  <a:cubicBezTo>
+                    <a:pt x="1656428" y="1261511"/>
+                    <a:pt x="1708411" y="1257987"/>
+                    <a:pt x="1758819" y="1254558"/>
+                  </a:cubicBezTo>
+                  <a:cubicBezTo>
+                    <a:pt x="1877487" y="1246557"/>
+                    <a:pt x="2000094" y="1238365"/>
+                    <a:pt x="2118106" y="1220077"/>
+                  </a:cubicBezTo>
+                  <a:cubicBezTo>
+                    <a:pt x="2239531" y="1201313"/>
+                    <a:pt x="2359513" y="1172357"/>
+                    <a:pt x="2475557" y="1144353"/>
+                  </a:cubicBezTo>
+                  <a:cubicBezTo>
+                    <a:pt x="2508243" y="1136448"/>
+                    <a:pt x="2541060" y="1128542"/>
+                    <a:pt x="2573878" y="1120827"/>
+                  </a:cubicBezTo>
+                  <a:cubicBezTo>
+                    <a:pt x="2684276" y="1094919"/>
+                    <a:pt x="2797694" y="1071963"/>
+                    <a:pt x="2907437" y="1049675"/>
+                  </a:cubicBezTo>
+                  <a:cubicBezTo>
+                    <a:pt x="2978061" y="1035387"/>
+                    <a:pt x="3051178" y="1020528"/>
+                    <a:pt x="3122589" y="1005098"/>
+                  </a:cubicBezTo>
+                  <a:cubicBezTo>
+                    <a:pt x="3206997" y="986810"/>
+                    <a:pt x="3302823" y="966141"/>
+                    <a:pt x="3391169" y="935756"/>
+                  </a:cubicBezTo>
+                  <a:cubicBezTo>
+                    <a:pt x="3494479" y="900132"/>
+                    <a:pt x="3578886" y="856508"/>
+                    <a:pt x="3642290" y="806216"/>
+                  </a:cubicBezTo>
+                  <a:cubicBezTo>
+                    <a:pt x="3720133" y="744303"/>
+                    <a:pt x="3773953" y="668103"/>
+                    <a:pt x="3825937" y="594475"/>
+                  </a:cubicBezTo>
+                  <a:cubicBezTo>
+                    <a:pt x="3837621" y="577902"/>
+                    <a:pt x="3849435" y="561233"/>
+                    <a:pt x="3861381" y="544755"/>
+                  </a:cubicBezTo>
+                  <a:cubicBezTo>
+                    <a:pt x="3889997" y="505416"/>
+                    <a:pt x="3920715" y="465983"/>
+                    <a:pt x="3950381" y="427978"/>
+                  </a:cubicBezTo>
+                  <a:cubicBezTo>
+                    <a:pt x="4007353" y="354921"/>
+                    <a:pt x="4066163" y="279388"/>
+                    <a:pt x="4112370" y="201378"/>
+                  </a:cubicBezTo>
+                  <a:cubicBezTo>
+                    <a:pt x="4144662" y="146800"/>
+                    <a:pt x="4170785" y="89364"/>
+                    <a:pt x="4195989" y="33834"/>
+                  </a:cubicBezTo>
+                  <a:close/>
+                </a:path>
+              </a:pathLst>
+            </a:custGeom>
+            <a:solidFill>
+              <a:schemeClr val="accent1"/>
+            </a:solidFill>
+            <a:ln>
+              <a:noFill/>
+            </a:ln>
+          </p:spPr>
+          <p:style>
+            <a:lnRef idx="2">
+              <a:schemeClr val="accent1">
+                <a:shade val="50000"/>
+              </a:schemeClr>
+            </a:lnRef>
+            <a:fillRef idx="1">
+              <a:schemeClr val="accent1"/>
+            </a:fillRef>
+            <a:effectRef idx="0">
+              <a:schemeClr val="accent1"/>
+            </a:effectRef>
+            <a:fontRef idx="minor">
+              <a:schemeClr val="lt1"/>
+            </a:fontRef>
+          </p:style>
+          <p:txBody>
+            <a:bodyPr wrap="square" rtlCol="0" anchor="ctr">
+              <a:noAutofit/>
+            </a:bodyPr>
+            <a:lstStyle/>
+            <a:p>
+              <a:pPr algn="ctr"/>
+              <a:endParaRPr lang="en-US"/>
+            </a:p>
+          </p:txBody>
+        </p:sp>
+      </p:grpSp>
+      <p:sp>
+        <p:nvSpPr>
+          <p:cNvPr id="3" name="Content Placeholder 2">
+            <a:extLst>
+              <a:ext uri="{FF2B5EF4-FFF2-40B4-BE49-F238E27FC236}">
+                <a16:creationId xmlns:a16="http://schemas.microsoft.com/office/drawing/2014/main" id="{8EF2BEAA-C88E-BC4A-8A97-300C5F623B62}"/>
+              </a:ext>
+            </a:extLst>
+          </p:cNvPr>
+          <p:cNvSpPr>
+            <a:spLocks noGrp="1"/>
+          </p:cNvSpPr>
+          <p:nvPr>
+            <p:ph idx="1"/>
+          </p:nvPr>
+        </p:nvSpPr>
+        <p:spPr>
+          <a:xfrm>
+            <a:off x="6192142" y="2384474"/>
+            <a:ext cx="4814102" cy="3728613"/>
+          </a:xfrm>
+        </p:spPr>
+        <p:txBody>
+          <a:bodyPr>
+            <a:normAutofit/>
+          </a:bodyPr>
+          <a:lstStyle/>
+          <a:p>
+            <a:r>
+              <a:rPr lang="en-US" dirty="0"/>
+              <a:t>Spotify-Collab-Playlist</a:t>
+            </a:r>
+          </a:p>
+          <a:p>
+            <a:endParaRPr lang="en-US" dirty="0"/>
+          </a:p>
+          <a:p>
+            <a:r>
+              <a:rPr lang="en-US" dirty="0"/>
+              <a:t>Play music that everybody likes!</a:t>
+            </a:r>
+          </a:p>
+          <a:p>
+            <a:endParaRPr lang="en-US" dirty="0"/>
+          </a:p>
+          <a:p>
+            <a:endParaRPr lang="en-US" dirty="0"/>
+          </a:p>
+        </p:txBody>
+      </p:sp>
     </p:spTree>
     <p:extLst>
       <p:ext uri="{BB962C8B-B14F-4D97-AF65-F5344CB8AC3E}">

--- a/FinalPre.pptx
+++ b/FinalPre.pptx
@@ -1225,7 +1225,7 @@
   <dgm:whole/>
   <dgm:extLst>
     <a:ext uri="http://schemas.microsoft.com/office/drawing/2008/diagram">
-      <dsp:dataModelExt xmlns:dsp="http://schemas.microsoft.com/office/drawing/2008/diagram" relId="rId6" minVer="http://schemas.openxmlformats.org/drawingml/2006/diagram"/>
+      <dsp:dataModelExt xmlns:dsp="http://schemas.microsoft.com/office/drawing/2008/diagram" relId="rId7" minVer="http://schemas.openxmlformats.org/drawingml/2006/diagram"/>
     </a:ext>
   </dgm:extLst>
 </dgm:dataModel>
@@ -3349,6 +3349,90 @@
     <p:extLst>
       <p:ext uri="{BB962C8B-B14F-4D97-AF65-F5344CB8AC3E}">
         <p14:creationId xmlns:p14="http://schemas.microsoft.com/office/powerpoint/2010/main" val="1058338784"/>
+      </p:ext>
+    </p:extLst>
+  </p:cSld>
+  <p:clrMapOvr>
+    <a:masterClrMapping/>
+  </p:clrMapOvr>
+</p:notes>
+</file>
+
+<file path=ppt/notesSlides/notesSlide2.xml><?xml version="1.0" encoding="utf-8"?>
+<p:notes xmlns:a="http://schemas.openxmlformats.org/drawingml/2006/main" xmlns:r="http://schemas.openxmlformats.org/officeDocument/2006/relationships" xmlns:p="http://schemas.openxmlformats.org/presentationml/2006/main">
+  <p:cSld>
+    <p:spTree>
+      <p:nvGrpSpPr>
+        <p:cNvPr id="1" name=""/>
+        <p:cNvGrpSpPr/>
+        <p:nvPr/>
+      </p:nvGrpSpPr>
+      <p:grpSpPr>
+        <a:xfrm>
+          <a:off x="0" y="0"/>
+          <a:ext cx="0" cy="0"/>
+          <a:chOff x="0" y="0"/>
+          <a:chExt cx="0" cy="0"/>
+        </a:xfrm>
+      </p:grpSpPr>
+      <p:sp>
+        <p:nvSpPr>
+          <p:cNvPr id="2" name="Slide Image Placeholder 1"/>
+          <p:cNvSpPr>
+            <a:spLocks noGrp="1" noRot="1" noChangeAspect="1"/>
+          </p:cNvSpPr>
+          <p:nvPr>
+            <p:ph type="sldImg"/>
+          </p:nvPr>
+        </p:nvSpPr>
+        <p:spPr/>
+      </p:sp>
+      <p:sp>
+        <p:nvSpPr>
+          <p:cNvPr id="3" name="Notes Placeholder 2"/>
+          <p:cNvSpPr>
+            <a:spLocks noGrp="1"/>
+          </p:cNvSpPr>
+          <p:nvPr>
+            <p:ph type="body" idx="1"/>
+          </p:nvPr>
+        </p:nvSpPr>
+        <p:spPr/>
+        <p:txBody>
+          <a:bodyPr/>
+          <a:lstStyle/>
+          <a:p>
+            <a:endParaRPr lang="en-US" dirty="0"/>
+          </a:p>
+        </p:txBody>
+      </p:sp>
+      <p:sp>
+        <p:nvSpPr>
+          <p:cNvPr id="4" name="Slide Number Placeholder 3"/>
+          <p:cNvSpPr>
+            <a:spLocks noGrp="1"/>
+          </p:cNvSpPr>
+          <p:nvPr>
+            <p:ph type="sldNum" sz="quarter" idx="5"/>
+          </p:nvPr>
+        </p:nvSpPr>
+        <p:spPr/>
+        <p:txBody>
+          <a:bodyPr/>
+          <a:lstStyle/>
+          <a:p>
+            <a:fld id="{79632C8C-89AB-074D-98B4-A0A393F2C3A1}" type="slidenum">
+              <a:rPr lang="en-US" smtClean="0"/>
+              <a:t>4</a:t>
+            </a:fld>
+            <a:endParaRPr lang="en-US"/>
+          </a:p>
+        </p:txBody>
+      </p:sp>
+    </p:spTree>
+    <p:extLst>
+      <p:ext uri="{BB962C8B-B14F-4D97-AF65-F5344CB8AC3E}">
+        <p14:creationId xmlns:p14="http://schemas.microsoft.com/office/powerpoint/2010/main" val="4166066363"/>
       </p:ext>
     </p:extLst>
   </p:cSld>
@@ -28876,7 +28960,7 @@
         </p:xfrm>
         <a:graphic>
           <a:graphicData uri="http://schemas.openxmlformats.org/drawingml/2006/diagram">
-            <dgm:relIds xmlns:dgm="http://schemas.openxmlformats.org/drawingml/2006/diagram" xmlns:r="http://schemas.openxmlformats.org/officeDocument/2006/relationships" r:dm="rId2" r:lo="rId3" r:qs="rId4" r:cs="rId5"/>
+            <dgm:relIds xmlns:dgm="http://schemas.openxmlformats.org/drawingml/2006/diagram" xmlns:r="http://schemas.openxmlformats.org/officeDocument/2006/relationships" r:dm="rId3" r:lo="rId4" r:qs="rId5" r:cs="rId6"/>
           </a:graphicData>
         </a:graphic>
       </p:graphicFrame>
